--- a/Unit-5/Dane_Holmes_Live_Session_5.pptx
+++ b/Unit-5/Dane_Holmes_Live_Session_5.pptx
@@ -6,9 +6,17 @@
   </p:sldMasterIdLst>
   <p:sldIdLst>
     <p:sldId id="256" r:id="rId2"/>
-    <p:sldId id="257" r:id="rId3"/>
-    <p:sldId id="276" r:id="rId4"/>
-    <p:sldId id="262" r:id="rId5"/>
+    <p:sldId id="279" r:id="rId3"/>
+    <p:sldId id="278" r:id="rId4"/>
+    <p:sldId id="257" r:id="rId5"/>
+    <p:sldId id="280" r:id="rId6"/>
+    <p:sldId id="281" r:id="rId7"/>
+    <p:sldId id="276" r:id="rId8"/>
+    <p:sldId id="282" r:id="rId9"/>
+    <p:sldId id="283" r:id="rId10"/>
+    <p:sldId id="284" r:id="rId11"/>
+    <p:sldId id="285" r:id="rId12"/>
+    <p:sldId id="262" r:id="rId13"/>
   </p:sldIdLst>
   <p:sldSz cx="12192000" cy="6858000"/>
   <p:notesSz cx="6858000" cy="9144000"/>
@@ -118,7 +126,7 @@
 <file path=ppt/revisionInfo.xml><?xml version="1.0" encoding="utf-8"?>
 <p1510:revInfo xmlns:a="http://schemas.openxmlformats.org/drawingml/2006/main" xmlns:r="http://schemas.openxmlformats.org/officeDocument/2006/relationships" xmlns:p1510="http://schemas.microsoft.com/office/powerpoint/2015/10/main">
   <p1510:revLst>
-    <p1510:client id="{B33B9699-0DE4-4366-A5C1-EE56B0EB65DE}" v="1" dt="2021-11-27T22:16:01.956"/>
+    <p1510:client id="{69DFE550-9A40-429D-BDD2-7BCF8FC0D09D}" v="22" dt="2021-11-29T23:57:04.561"/>
   </p1510:revLst>
 </p1510:revInfo>
 </file>
@@ -1091,6 +1099,1435 @@
     </pc:docChg>
   </pc:docChgLst>
   <pc:docChgLst>
+    <pc:chgData name="Dane Holmes" userId="9738715a2d075a3d" providerId="LiveId" clId="{69DFE550-9A40-429D-BDD2-7BCF8FC0D09D}"/>
+    <pc:docChg chg="undo custSel addSld delSld modSld sldOrd">
+      <pc:chgData name="Dane Holmes" userId="9738715a2d075a3d" providerId="LiveId" clId="{69DFE550-9A40-429D-BDD2-7BCF8FC0D09D}" dt="2021-11-30T00:05:55.841" v="2293" actId="20577"/>
+      <pc:docMkLst>
+        <pc:docMk/>
+      </pc:docMkLst>
+      <pc:sldChg chg="addSp delSp modSp mod">
+        <pc:chgData name="Dane Holmes" userId="9738715a2d075a3d" providerId="LiveId" clId="{69DFE550-9A40-429D-BDD2-7BCF8FC0D09D}" dt="2021-11-29T20:16:44.116" v="838" actId="20577"/>
+        <pc:sldMkLst>
+          <pc:docMk/>
+          <pc:sldMk cId="512989393" sldId="257"/>
+        </pc:sldMkLst>
+        <pc:spChg chg="mod">
+          <ac:chgData name="Dane Holmes" userId="9738715a2d075a3d" providerId="LiveId" clId="{69DFE550-9A40-429D-BDD2-7BCF8FC0D09D}" dt="2021-11-29T20:16:44.116" v="838" actId="20577"/>
+          <ac:spMkLst>
+            <pc:docMk/>
+            <pc:sldMk cId="512989393" sldId="257"/>
+            <ac:spMk id="2" creationId="{91F67CBF-1BEA-4F04-AD9A-284770C2CC46}"/>
+          </ac:spMkLst>
+        </pc:spChg>
+        <pc:spChg chg="add mod">
+          <ac:chgData name="Dane Holmes" userId="9738715a2d075a3d" providerId="LiveId" clId="{69DFE550-9A40-429D-BDD2-7BCF8FC0D09D}" dt="2021-11-29T19:48:32.921" v="424" actId="5793"/>
+          <ac:spMkLst>
+            <pc:docMk/>
+            <pc:sldMk cId="512989393" sldId="257"/>
+            <ac:spMk id="5" creationId="{CAF91437-6854-44AC-BAA2-41FE4EF82C8C}"/>
+          </ac:spMkLst>
+        </pc:spChg>
+        <pc:spChg chg="del mod">
+          <ac:chgData name="Dane Holmes" userId="9738715a2d075a3d" providerId="LiveId" clId="{69DFE550-9A40-429D-BDD2-7BCF8FC0D09D}" dt="2021-11-29T19:26:07.334" v="151" actId="478"/>
+          <ac:spMkLst>
+            <pc:docMk/>
+            <pc:sldMk cId="512989393" sldId="257"/>
+            <ac:spMk id="7" creationId="{3E91D7D1-EF94-46B0-804B-7DADE66C1F01}"/>
+          </ac:spMkLst>
+        </pc:spChg>
+        <pc:picChg chg="add mod">
+          <ac:chgData name="Dane Holmes" userId="9738715a2d075a3d" providerId="LiveId" clId="{69DFE550-9A40-429D-BDD2-7BCF8FC0D09D}" dt="2021-11-29T19:44:29.855" v="404" actId="14100"/>
+          <ac:picMkLst>
+            <pc:docMk/>
+            <pc:sldMk cId="512989393" sldId="257"/>
+            <ac:picMk id="4" creationId="{8F05F673-040D-47AB-9C00-4C55E48B15C0}"/>
+          </ac:picMkLst>
+        </pc:picChg>
+        <pc:picChg chg="add del mod">
+          <ac:chgData name="Dane Holmes" userId="9738715a2d075a3d" providerId="LiveId" clId="{69DFE550-9A40-429D-BDD2-7BCF8FC0D09D}" dt="2021-11-29T19:47:49.943" v="411" actId="21"/>
+          <ac:picMkLst>
+            <pc:docMk/>
+            <pc:sldMk cId="512989393" sldId="257"/>
+            <ac:picMk id="8" creationId="{5DEBF238-C183-4C16-A490-81A3F7C322EA}"/>
+          </ac:picMkLst>
+        </pc:picChg>
+        <pc:picChg chg="add mod">
+          <ac:chgData name="Dane Holmes" userId="9738715a2d075a3d" providerId="LiveId" clId="{69DFE550-9A40-429D-BDD2-7BCF8FC0D09D}" dt="2021-11-29T19:48:05.787" v="417" actId="14100"/>
+          <ac:picMkLst>
+            <pc:docMk/>
+            <pc:sldMk cId="512989393" sldId="257"/>
+            <ac:picMk id="10" creationId="{2765C248-664B-462D-BB86-4F98B2F938B5}"/>
+          </ac:picMkLst>
+        </pc:picChg>
+      </pc:sldChg>
+      <pc:sldChg chg="addSp delSp modSp mod">
+        <pc:chgData name="Dane Holmes" userId="9738715a2d075a3d" providerId="LiveId" clId="{69DFE550-9A40-429D-BDD2-7BCF8FC0D09D}" dt="2021-11-30T00:05:55.841" v="2293" actId="20577"/>
+        <pc:sldMkLst>
+          <pc:docMk/>
+          <pc:sldMk cId="1473360199" sldId="262"/>
+        </pc:sldMkLst>
+        <pc:spChg chg="del mod">
+          <ac:chgData name="Dane Holmes" userId="9738715a2d075a3d" providerId="LiveId" clId="{69DFE550-9A40-429D-BDD2-7BCF8FC0D09D}" dt="2021-11-29T20:33:59.907" v="1053"/>
+          <ac:spMkLst>
+            <pc:docMk/>
+            <pc:sldMk cId="1473360199" sldId="262"/>
+            <ac:spMk id="3" creationId="{0CFADC6F-5C3A-4D15-A0BA-15954151D97D}"/>
+          </ac:spMkLst>
+        </pc:spChg>
+        <pc:spChg chg="add mod">
+          <ac:chgData name="Dane Holmes" userId="9738715a2d075a3d" providerId="LiveId" clId="{69DFE550-9A40-429D-BDD2-7BCF8FC0D09D}" dt="2021-11-30T00:05:55.841" v="2293" actId="20577"/>
+          <ac:spMkLst>
+            <pc:docMk/>
+            <pc:sldMk cId="1473360199" sldId="262"/>
+            <ac:spMk id="4" creationId="{00C15506-8783-4463-B159-8850F877A65E}"/>
+          </ac:spMkLst>
+        </pc:spChg>
+      </pc:sldChg>
+      <pc:sldChg chg="addSp delSp modSp mod">
+        <pc:chgData name="Dane Holmes" userId="9738715a2d075a3d" providerId="LiveId" clId="{69DFE550-9A40-429D-BDD2-7BCF8FC0D09D}" dt="2021-11-29T20:23:36.190" v="878" actId="1076"/>
+        <pc:sldMkLst>
+          <pc:docMk/>
+          <pc:sldMk cId="2366964792" sldId="276"/>
+        </pc:sldMkLst>
+        <pc:spChg chg="mod">
+          <ac:chgData name="Dane Holmes" userId="9738715a2d075a3d" providerId="LiveId" clId="{69DFE550-9A40-429D-BDD2-7BCF8FC0D09D}" dt="2021-11-29T20:17:04.344" v="851" actId="20577"/>
+          <ac:spMkLst>
+            <pc:docMk/>
+            <pc:sldMk cId="2366964792" sldId="276"/>
+            <ac:spMk id="2" creationId="{91F67CBF-1BEA-4F04-AD9A-284770C2CC46}"/>
+          </ac:spMkLst>
+        </pc:spChg>
+        <pc:spChg chg="del">
+          <ac:chgData name="Dane Holmes" userId="9738715a2d075a3d" providerId="LiveId" clId="{69DFE550-9A40-429D-BDD2-7BCF8FC0D09D}" dt="2021-11-29T20:16:59.622" v="841" actId="478"/>
+          <ac:spMkLst>
+            <pc:docMk/>
+            <pc:sldMk cId="2366964792" sldId="276"/>
+            <ac:spMk id="6" creationId="{67641140-150E-403A-A0C7-788FAF07DD6F}"/>
+          </ac:spMkLst>
+        </pc:spChg>
+        <pc:picChg chg="add del">
+          <ac:chgData name="Dane Holmes" userId="9738715a2d075a3d" providerId="LiveId" clId="{69DFE550-9A40-429D-BDD2-7BCF8FC0D09D}" dt="2021-11-29T20:18:41.604" v="853" actId="478"/>
+          <ac:picMkLst>
+            <pc:docMk/>
+            <pc:sldMk cId="2366964792" sldId="276"/>
+            <ac:picMk id="4" creationId="{7CB3F30F-EE6D-485D-9646-1AA176CE39D7}"/>
+          </ac:picMkLst>
+        </pc:picChg>
+        <pc:picChg chg="del">
+          <ac:chgData name="Dane Holmes" userId="9738715a2d075a3d" providerId="LiveId" clId="{69DFE550-9A40-429D-BDD2-7BCF8FC0D09D}" dt="2021-11-29T20:16:55.764" v="840" actId="478"/>
+          <ac:picMkLst>
+            <pc:docMk/>
+            <pc:sldMk cId="2366964792" sldId="276"/>
+            <ac:picMk id="7" creationId="{733DECAC-76A8-463F-872F-19883B36B81B}"/>
+          </ac:picMkLst>
+        </pc:picChg>
+        <pc:picChg chg="add mod">
+          <ac:chgData name="Dane Holmes" userId="9738715a2d075a3d" providerId="LiveId" clId="{69DFE550-9A40-429D-BDD2-7BCF8FC0D09D}" dt="2021-11-29T20:18:46.229" v="855" actId="1076"/>
+          <ac:picMkLst>
+            <pc:docMk/>
+            <pc:sldMk cId="2366964792" sldId="276"/>
+            <ac:picMk id="8" creationId="{539C6038-3D6C-40FB-9351-97D05C3B98E7}"/>
+          </ac:picMkLst>
+        </pc:picChg>
+        <pc:picChg chg="add mod">
+          <ac:chgData name="Dane Holmes" userId="9738715a2d075a3d" providerId="LiveId" clId="{69DFE550-9A40-429D-BDD2-7BCF8FC0D09D}" dt="2021-11-29T20:21:08.901" v="862" actId="1076"/>
+          <ac:picMkLst>
+            <pc:docMk/>
+            <pc:sldMk cId="2366964792" sldId="276"/>
+            <ac:picMk id="10" creationId="{4CF3F687-9BC2-401D-B474-4F8A8D781E78}"/>
+          </ac:picMkLst>
+        </pc:picChg>
+        <pc:picChg chg="add mod">
+          <ac:chgData name="Dane Holmes" userId="9738715a2d075a3d" providerId="LiveId" clId="{69DFE550-9A40-429D-BDD2-7BCF8FC0D09D}" dt="2021-11-29T20:21:11.592" v="863" actId="1076"/>
+          <ac:picMkLst>
+            <pc:docMk/>
+            <pc:sldMk cId="2366964792" sldId="276"/>
+            <ac:picMk id="12" creationId="{B2AC56E9-EF0D-4D64-9532-8E3024E99A25}"/>
+          </ac:picMkLst>
+        </pc:picChg>
+        <pc:picChg chg="add mod">
+          <ac:chgData name="Dane Holmes" userId="9738715a2d075a3d" providerId="LiveId" clId="{69DFE550-9A40-429D-BDD2-7BCF8FC0D09D}" dt="2021-11-29T20:22:11.113" v="866" actId="14100"/>
+          <ac:picMkLst>
+            <pc:docMk/>
+            <pc:sldMk cId="2366964792" sldId="276"/>
+            <ac:picMk id="14" creationId="{4721B26E-AB64-4097-BF38-AE3E36DAFFEC}"/>
+          </ac:picMkLst>
+        </pc:picChg>
+        <pc:picChg chg="add mod">
+          <ac:chgData name="Dane Holmes" userId="9738715a2d075a3d" providerId="LiveId" clId="{69DFE550-9A40-429D-BDD2-7BCF8FC0D09D}" dt="2021-11-29T20:23:36.190" v="878" actId="1076"/>
+          <ac:picMkLst>
+            <pc:docMk/>
+            <pc:sldMk cId="2366964792" sldId="276"/>
+            <ac:picMk id="16" creationId="{8F68BE53-1DA6-4728-A46F-44AF0FE3E137}"/>
+          </ac:picMkLst>
+        </pc:picChg>
+      </pc:sldChg>
+      <pc:sldChg chg="addSp delSp modSp add del mod setBg addAnim delAnim">
+        <pc:chgData name="Dane Holmes" userId="9738715a2d075a3d" providerId="LiveId" clId="{69DFE550-9A40-429D-BDD2-7BCF8FC0D09D}" dt="2021-11-29T20:16:48.441" v="839" actId="47"/>
+        <pc:sldMkLst>
+          <pc:docMk/>
+          <pc:sldMk cId="3777944148" sldId="277"/>
+        </pc:sldMkLst>
+        <pc:spChg chg="mod ord">
+          <ac:chgData name="Dane Holmes" userId="9738715a2d075a3d" providerId="LiveId" clId="{69DFE550-9A40-429D-BDD2-7BCF8FC0D09D}" dt="2021-11-29T18:37:41.772" v="99" actId="26606"/>
+          <ac:spMkLst>
+            <pc:docMk/>
+            <pc:sldMk cId="3777944148" sldId="277"/>
+            <ac:spMk id="2" creationId="{91F67CBF-1BEA-4F04-AD9A-284770C2CC46}"/>
+          </ac:spMkLst>
+        </pc:spChg>
+        <pc:spChg chg="del">
+          <ac:chgData name="Dane Holmes" userId="9738715a2d075a3d" providerId="LiveId" clId="{69DFE550-9A40-429D-BDD2-7BCF8FC0D09D}" dt="2021-11-29T18:31:46.561" v="22" actId="478"/>
+          <ac:spMkLst>
+            <pc:docMk/>
+            <pc:sldMk cId="3777944148" sldId="277"/>
+            <ac:spMk id="7" creationId="{3E91D7D1-EF94-46B0-804B-7DADE66C1F01}"/>
+          </ac:spMkLst>
+        </pc:spChg>
+        <pc:spChg chg="add del">
+          <ac:chgData name="Dane Holmes" userId="9738715a2d075a3d" providerId="LiveId" clId="{69DFE550-9A40-429D-BDD2-7BCF8FC0D09D}" dt="2021-11-29T18:34:58.121" v="40" actId="26606"/>
+          <ac:spMkLst>
+            <pc:docMk/>
+            <pc:sldMk cId="3777944148" sldId="277"/>
+            <ac:spMk id="13" creationId="{EFA9B6C6-A247-48A8-9A1C-1E36FA9456B5}"/>
+          </ac:spMkLst>
+        </pc:spChg>
+        <pc:spChg chg="add del">
+          <ac:chgData name="Dane Holmes" userId="9738715a2d075a3d" providerId="LiveId" clId="{69DFE550-9A40-429D-BDD2-7BCF8FC0D09D}" dt="2021-11-29T18:34:58.121" v="40" actId="26606"/>
+          <ac:spMkLst>
+            <pc:docMk/>
+            <pc:sldMk cId="3777944148" sldId="277"/>
+            <ac:spMk id="15" creationId="{C5CB530E-515E-412C-9DF1-5F8FFBD6F383}"/>
+          </ac:spMkLst>
+        </pc:spChg>
+        <pc:spChg chg="add del">
+          <ac:chgData name="Dane Holmes" userId="9738715a2d075a3d" providerId="LiveId" clId="{69DFE550-9A40-429D-BDD2-7BCF8FC0D09D}" dt="2021-11-29T18:34:58.121" v="40" actId="26606"/>
+          <ac:spMkLst>
+            <pc:docMk/>
+            <pc:sldMk cId="3777944148" sldId="277"/>
+            <ac:spMk id="17" creationId="{712D4376-A578-4FF1-94FC-245E7A6A489F}"/>
+          </ac:spMkLst>
+        </pc:spChg>
+        <pc:spChg chg="add del">
+          <ac:chgData name="Dane Holmes" userId="9738715a2d075a3d" providerId="LiveId" clId="{69DFE550-9A40-429D-BDD2-7BCF8FC0D09D}" dt="2021-11-29T18:34:58.121" v="40" actId="26606"/>
+          <ac:spMkLst>
+            <pc:docMk/>
+            <pc:sldMk cId="3777944148" sldId="277"/>
+            <ac:spMk id="19" creationId="{AEA7509D-F04F-40CB-A0B3-EEF16499CC9F}"/>
+          </ac:spMkLst>
+        </pc:spChg>
+        <pc:spChg chg="add del">
+          <ac:chgData name="Dane Holmes" userId="9738715a2d075a3d" providerId="LiveId" clId="{69DFE550-9A40-429D-BDD2-7BCF8FC0D09D}" dt="2021-11-29T18:35:00.698" v="42" actId="26606"/>
+          <ac:spMkLst>
+            <pc:docMk/>
+            <pc:sldMk cId="3777944148" sldId="277"/>
+            <ac:spMk id="24" creationId="{158B3569-73B2-4D05-8E95-886A6EE17F1F}"/>
+          </ac:spMkLst>
+        </pc:spChg>
+        <pc:spChg chg="add del">
+          <ac:chgData name="Dane Holmes" userId="9738715a2d075a3d" providerId="LiveId" clId="{69DFE550-9A40-429D-BDD2-7BCF8FC0D09D}" dt="2021-11-29T18:35:00.698" v="42" actId="26606"/>
+          <ac:spMkLst>
+            <pc:docMk/>
+            <pc:sldMk cId="3777944148" sldId="277"/>
+            <ac:spMk id="25" creationId="{B71758F4-3F46-45DA-8AC5-4E508DA080BA}"/>
+          </ac:spMkLst>
+        </pc:spChg>
+        <pc:spChg chg="add del">
+          <ac:chgData name="Dane Holmes" userId="9738715a2d075a3d" providerId="LiveId" clId="{69DFE550-9A40-429D-BDD2-7BCF8FC0D09D}" dt="2021-11-29T18:35:00.698" v="42" actId="26606"/>
+          <ac:spMkLst>
+            <pc:docMk/>
+            <pc:sldMk cId="3777944148" sldId="277"/>
+            <ac:spMk id="27" creationId="{8D61482F-F3C5-4D66-8C5D-C6BBE3E1275C}"/>
+          </ac:spMkLst>
+        </pc:spChg>
+        <pc:spChg chg="add del">
+          <ac:chgData name="Dane Holmes" userId="9738715a2d075a3d" providerId="LiveId" clId="{69DFE550-9A40-429D-BDD2-7BCF8FC0D09D}" dt="2021-11-29T18:35:01.575" v="45" actId="26606"/>
+          <ac:spMkLst>
+            <pc:docMk/>
+            <pc:sldMk cId="3777944148" sldId="277"/>
+            <ac:spMk id="30" creationId="{EFA9B6C6-A247-48A8-9A1C-1E36FA9456B5}"/>
+          </ac:spMkLst>
+        </pc:spChg>
+        <pc:spChg chg="add del">
+          <ac:chgData name="Dane Holmes" userId="9738715a2d075a3d" providerId="LiveId" clId="{69DFE550-9A40-429D-BDD2-7BCF8FC0D09D}" dt="2021-11-29T18:35:01.575" v="45" actId="26606"/>
+          <ac:spMkLst>
+            <pc:docMk/>
+            <pc:sldMk cId="3777944148" sldId="277"/>
+            <ac:spMk id="31" creationId="{C5CB530E-515E-412C-9DF1-5F8FFBD6F383}"/>
+          </ac:spMkLst>
+        </pc:spChg>
+        <pc:spChg chg="add del">
+          <ac:chgData name="Dane Holmes" userId="9738715a2d075a3d" providerId="LiveId" clId="{69DFE550-9A40-429D-BDD2-7BCF8FC0D09D}" dt="2021-11-29T18:35:01.575" v="45" actId="26606"/>
+          <ac:spMkLst>
+            <pc:docMk/>
+            <pc:sldMk cId="3777944148" sldId="277"/>
+            <ac:spMk id="32" creationId="{712D4376-A578-4FF1-94FC-245E7A6A489F}"/>
+          </ac:spMkLst>
+        </pc:spChg>
+        <pc:spChg chg="add del">
+          <ac:chgData name="Dane Holmes" userId="9738715a2d075a3d" providerId="LiveId" clId="{69DFE550-9A40-429D-BDD2-7BCF8FC0D09D}" dt="2021-11-29T18:35:01.575" v="45" actId="26606"/>
+          <ac:spMkLst>
+            <pc:docMk/>
+            <pc:sldMk cId="3777944148" sldId="277"/>
+            <ac:spMk id="33" creationId="{AEA7509D-F04F-40CB-A0B3-EEF16499CC9F}"/>
+          </ac:spMkLst>
+        </pc:spChg>
+        <pc:spChg chg="add del">
+          <ac:chgData name="Dane Holmes" userId="9738715a2d075a3d" providerId="LiveId" clId="{69DFE550-9A40-429D-BDD2-7BCF8FC0D09D}" dt="2021-11-29T18:35:02.607" v="48" actId="26606"/>
+          <ac:spMkLst>
+            <pc:docMk/>
+            <pc:sldMk cId="3777944148" sldId="277"/>
+            <ac:spMk id="37" creationId="{158B3569-73B2-4D05-8E95-886A6EE17F1F}"/>
+          </ac:spMkLst>
+        </pc:spChg>
+        <pc:spChg chg="add del">
+          <ac:chgData name="Dane Holmes" userId="9738715a2d075a3d" providerId="LiveId" clId="{69DFE550-9A40-429D-BDD2-7BCF8FC0D09D}" dt="2021-11-29T18:35:02.607" v="48" actId="26606"/>
+          <ac:spMkLst>
+            <pc:docMk/>
+            <pc:sldMk cId="3777944148" sldId="277"/>
+            <ac:spMk id="38" creationId="{B71758F4-3F46-45DA-8AC5-4E508DA080BA}"/>
+          </ac:spMkLst>
+        </pc:spChg>
+        <pc:spChg chg="add del">
+          <ac:chgData name="Dane Holmes" userId="9738715a2d075a3d" providerId="LiveId" clId="{69DFE550-9A40-429D-BDD2-7BCF8FC0D09D}" dt="2021-11-29T18:35:02.607" v="48" actId="26606"/>
+          <ac:spMkLst>
+            <pc:docMk/>
+            <pc:sldMk cId="3777944148" sldId="277"/>
+            <ac:spMk id="40" creationId="{8D61482F-F3C5-4D66-8C5D-C6BBE3E1275C}"/>
+          </ac:spMkLst>
+        </pc:spChg>
+        <pc:spChg chg="add del">
+          <ac:chgData name="Dane Holmes" userId="9738715a2d075a3d" providerId="LiveId" clId="{69DFE550-9A40-429D-BDD2-7BCF8FC0D09D}" dt="2021-11-29T18:35:04.683" v="50" actId="26606"/>
+          <ac:spMkLst>
+            <pc:docMk/>
+            <pc:sldMk cId="3777944148" sldId="277"/>
+            <ac:spMk id="43" creationId="{D9FB580A-BA0E-4D5E-90F4-C42767A78389}"/>
+          </ac:spMkLst>
+        </pc:spChg>
+        <pc:spChg chg="add del">
+          <ac:chgData name="Dane Holmes" userId="9738715a2d075a3d" providerId="LiveId" clId="{69DFE550-9A40-429D-BDD2-7BCF8FC0D09D}" dt="2021-11-29T18:35:05.625" v="52" actId="26606"/>
+          <ac:spMkLst>
+            <pc:docMk/>
+            <pc:sldMk cId="3777944148" sldId="277"/>
+            <ac:spMk id="46" creationId="{EFA9B6C6-A247-48A8-9A1C-1E36FA9456B5}"/>
+          </ac:spMkLst>
+        </pc:spChg>
+        <pc:spChg chg="add del">
+          <ac:chgData name="Dane Holmes" userId="9738715a2d075a3d" providerId="LiveId" clId="{69DFE550-9A40-429D-BDD2-7BCF8FC0D09D}" dt="2021-11-29T18:35:05.625" v="52" actId="26606"/>
+          <ac:spMkLst>
+            <pc:docMk/>
+            <pc:sldMk cId="3777944148" sldId="277"/>
+            <ac:spMk id="47" creationId="{C5CB530E-515E-412C-9DF1-5F8FFBD6F383}"/>
+          </ac:spMkLst>
+        </pc:spChg>
+        <pc:spChg chg="add del">
+          <ac:chgData name="Dane Holmes" userId="9738715a2d075a3d" providerId="LiveId" clId="{69DFE550-9A40-429D-BDD2-7BCF8FC0D09D}" dt="2021-11-29T18:35:05.625" v="52" actId="26606"/>
+          <ac:spMkLst>
+            <pc:docMk/>
+            <pc:sldMk cId="3777944148" sldId="277"/>
+            <ac:spMk id="48" creationId="{712D4376-A578-4FF1-94FC-245E7A6A489F}"/>
+          </ac:spMkLst>
+        </pc:spChg>
+        <pc:spChg chg="add del">
+          <ac:chgData name="Dane Holmes" userId="9738715a2d075a3d" providerId="LiveId" clId="{69DFE550-9A40-429D-BDD2-7BCF8FC0D09D}" dt="2021-11-29T18:35:05.625" v="52" actId="26606"/>
+          <ac:spMkLst>
+            <pc:docMk/>
+            <pc:sldMk cId="3777944148" sldId="277"/>
+            <ac:spMk id="49" creationId="{AEA7509D-F04F-40CB-A0B3-EEF16499CC9F}"/>
+          </ac:spMkLst>
+        </pc:spChg>
+        <pc:spChg chg="add del">
+          <ac:chgData name="Dane Holmes" userId="9738715a2d075a3d" providerId="LiveId" clId="{69DFE550-9A40-429D-BDD2-7BCF8FC0D09D}" dt="2021-11-29T18:35:07.547" v="54" actId="26606"/>
+          <ac:spMkLst>
+            <pc:docMk/>
+            <pc:sldMk cId="3777944148" sldId="277"/>
+            <ac:spMk id="53" creationId="{663302B0-7A41-480B-921B-7D395B4E24C8}"/>
+          </ac:spMkLst>
+        </pc:spChg>
+        <pc:spChg chg="add del">
+          <ac:chgData name="Dane Holmes" userId="9738715a2d075a3d" providerId="LiveId" clId="{69DFE550-9A40-429D-BDD2-7BCF8FC0D09D}" dt="2021-11-29T18:35:07.547" v="54" actId="26606"/>
+          <ac:spMkLst>
+            <pc:docMk/>
+            <pc:sldMk cId="3777944148" sldId="277"/>
+            <ac:spMk id="54" creationId="{4E94261F-1ED3-4E90-88E6-13479144005B}"/>
+          </ac:spMkLst>
+        </pc:spChg>
+        <pc:spChg chg="add del">
+          <ac:chgData name="Dane Holmes" userId="9738715a2d075a3d" providerId="LiveId" clId="{69DFE550-9A40-429D-BDD2-7BCF8FC0D09D}" dt="2021-11-29T18:35:07.547" v="54" actId="26606"/>
+          <ac:spMkLst>
+            <pc:docMk/>
+            <pc:sldMk cId="3777944148" sldId="277"/>
+            <ac:spMk id="55" creationId="{C5CB530E-515E-412C-9DF1-5F8FFBD6F383}"/>
+          </ac:spMkLst>
+        </pc:spChg>
+        <pc:spChg chg="add del">
+          <ac:chgData name="Dane Holmes" userId="9738715a2d075a3d" providerId="LiveId" clId="{69DFE550-9A40-429D-BDD2-7BCF8FC0D09D}" dt="2021-11-29T18:35:07.547" v="54" actId="26606"/>
+          <ac:spMkLst>
+            <pc:docMk/>
+            <pc:sldMk cId="3777944148" sldId="277"/>
+            <ac:spMk id="56" creationId="{712D4376-A578-4FF1-94FC-245E7A6A489F}"/>
+          </ac:spMkLst>
+        </pc:spChg>
+        <pc:spChg chg="add del">
+          <ac:chgData name="Dane Holmes" userId="9738715a2d075a3d" providerId="LiveId" clId="{69DFE550-9A40-429D-BDD2-7BCF8FC0D09D}" dt="2021-11-29T18:35:07.547" v="54" actId="26606"/>
+          <ac:spMkLst>
+            <pc:docMk/>
+            <pc:sldMk cId="3777944148" sldId="277"/>
+            <ac:spMk id="57" creationId="{AEA7509D-F04F-40CB-A0B3-EEF16499CC9F}"/>
+          </ac:spMkLst>
+        </pc:spChg>
+        <pc:spChg chg="add del">
+          <ac:chgData name="Dane Holmes" userId="9738715a2d075a3d" providerId="LiveId" clId="{69DFE550-9A40-429D-BDD2-7BCF8FC0D09D}" dt="2021-11-29T18:35:19.579" v="56" actId="26606"/>
+          <ac:spMkLst>
+            <pc:docMk/>
+            <pc:sldMk cId="3777944148" sldId="277"/>
+            <ac:spMk id="61" creationId="{3F672E71-4896-412C-9C70-888CBA0C2F28}"/>
+          </ac:spMkLst>
+        </pc:spChg>
+        <pc:spChg chg="add del">
+          <ac:chgData name="Dane Holmes" userId="9738715a2d075a3d" providerId="LiveId" clId="{69DFE550-9A40-429D-BDD2-7BCF8FC0D09D}" dt="2021-11-29T18:35:19.579" v="56" actId="26606"/>
+          <ac:spMkLst>
+            <pc:docMk/>
+            <pc:sldMk cId="3777944148" sldId="277"/>
+            <ac:spMk id="62" creationId="{508BEF50-7B1E-49A4-BC19-5F4F1D755E64}"/>
+          </ac:spMkLst>
+        </pc:spChg>
+        <pc:spChg chg="add del">
+          <ac:chgData name="Dane Holmes" userId="9738715a2d075a3d" providerId="LiveId" clId="{69DFE550-9A40-429D-BDD2-7BCF8FC0D09D}" dt="2021-11-29T18:35:19.579" v="56" actId="26606"/>
+          <ac:spMkLst>
+            <pc:docMk/>
+            <pc:sldMk cId="3777944148" sldId="277"/>
+            <ac:spMk id="63" creationId="{3FBAD350-5664-4811-A208-657FB882D350}"/>
+          </ac:spMkLst>
+        </pc:spChg>
+        <pc:spChg chg="add del">
+          <ac:chgData name="Dane Holmes" userId="9738715a2d075a3d" providerId="LiveId" clId="{69DFE550-9A40-429D-BDD2-7BCF8FC0D09D}" dt="2021-11-29T18:35:19.579" v="56" actId="26606"/>
+          <ac:spMkLst>
+            <pc:docMk/>
+            <pc:sldMk cId="3777944148" sldId="277"/>
+            <ac:spMk id="64" creationId="{C39ADB8F-D187-49D7-BDCF-C1B6DC727068}"/>
+          </ac:spMkLst>
+        </pc:spChg>
+        <pc:spChg chg="add del">
+          <ac:chgData name="Dane Holmes" userId="9738715a2d075a3d" providerId="LiveId" clId="{69DFE550-9A40-429D-BDD2-7BCF8FC0D09D}" dt="2021-11-29T18:35:24.306" v="59" actId="26606"/>
+          <ac:spMkLst>
+            <pc:docMk/>
+            <pc:sldMk cId="3777944148" sldId="277"/>
+            <ac:spMk id="67" creationId="{CE3C5560-7A9C-489F-9148-18C5E1D0F0B2}"/>
+          </ac:spMkLst>
+        </pc:spChg>
+        <pc:spChg chg="add del">
+          <ac:chgData name="Dane Holmes" userId="9738715a2d075a3d" providerId="LiveId" clId="{69DFE550-9A40-429D-BDD2-7BCF8FC0D09D}" dt="2021-11-29T18:35:24.306" v="59" actId="26606"/>
+          <ac:spMkLst>
+            <pc:docMk/>
+            <pc:sldMk cId="3777944148" sldId="277"/>
+            <ac:spMk id="71" creationId="{563ABF49-C746-42B9-B003-99EE0C527EFD}"/>
+          </ac:spMkLst>
+        </pc:spChg>
+        <pc:spChg chg="add del">
+          <ac:chgData name="Dane Holmes" userId="9738715a2d075a3d" providerId="LiveId" clId="{69DFE550-9A40-429D-BDD2-7BCF8FC0D09D}" dt="2021-11-29T18:35:24.306" v="59" actId="26606"/>
+          <ac:spMkLst>
+            <pc:docMk/>
+            <pc:sldMk cId="3777944148" sldId="277"/>
+            <ac:spMk id="72" creationId="{C5CB530E-515E-412C-9DF1-5F8FFBD6F383}"/>
+          </ac:spMkLst>
+        </pc:spChg>
+        <pc:spChg chg="add del">
+          <ac:chgData name="Dane Holmes" userId="9738715a2d075a3d" providerId="LiveId" clId="{69DFE550-9A40-429D-BDD2-7BCF8FC0D09D}" dt="2021-11-29T18:35:24.306" v="59" actId="26606"/>
+          <ac:spMkLst>
+            <pc:docMk/>
+            <pc:sldMk cId="3777944148" sldId="277"/>
+            <ac:spMk id="73" creationId="{712D4376-A578-4FF1-94FC-245E7A6A489F}"/>
+          </ac:spMkLst>
+        </pc:spChg>
+        <pc:spChg chg="add del">
+          <ac:chgData name="Dane Holmes" userId="9738715a2d075a3d" providerId="LiveId" clId="{69DFE550-9A40-429D-BDD2-7BCF8FC0D09D}" dt="2021-11-29T18:35:24.306" v="59" actId="26606"/>
+          <ac:spMkLst>
+            <pc:docMk/>
+            <pc:sldMk cId="3777944148" sldId="277"/>
+            <ac:spMk id="74" creationId="{AEA7509D-F04F-40CB-A0B3-EEF16499CC9F}"/>
+          </ac:spMkLst>
+        </pc:spChg>
+        <pc:spChg chg="add del">
+          <ac:chgData name="Dane Holmes" userId="9738715a2d075a3d" providerId="LiveId" clId="{69DFE550-9A40-429D-BDD2-7BCF8FC0D09D}" dt="2021-11-29T18:35:25.566" v="62" actId="26606"/>
+          <ac:spMkLst>
+            <pc:docMk/>
+            <pc:sldMk cId="3777944148" sldId="277"/>
+            <ac:spMk id="78" creationId="{EFA9B6C6-A247-48A8-9A1C-1E36FA9456B5}"/>
+          </ac:spMkLst>
+        </pc:spChg>
+        <pc:spChg chg="add del">
+          <ac:chgData name="Dane Holmes" userId="9738715a2d075a3d" providerId="LiveId" clId="{69DFE550-9A40-429D-BDD2-7BCF8FC0D09D}" dt="2021-11-29T18:35:25.566" v="62" actId="26606"/>
+          <ac:spMkLst>
+            <pc:docMk/>
+            <pc:sldMk cId="3777944148" sldId="277"/>
+            <ac:spMk id="79" creationId="{C5CB530E-515E-412C-9DF1-5F8FFBD6F383}"/>
+          </ac:spMkLst>
+        </pc:spChg>
+        <pc:spChg chg="add del">
+          <ac:chgData name="Dane Holmes" userId="9738715a2d075a3d" providerId="LiveId" clId="{69DFE550-9A40-429D-BDD2-7BCF8FC0D09D}" dt="2021-11-29T18:35:25.566" v="62" actId="26606"/>
+          <ac:spMkLst>
+            <pc:docMk/>
+            <pc:sldMk cId="3777944148" sldId="277"/>
+            <ac:spMk id="80" creationId="{712D4376-A578-4FF1-94FC-245E7A6A489F}"/>
+          </ac:spMkLst>
+        </pc:spChg>
+        <pc:spChg chg="add del">
+          <ac:chgData name="Dane Holmes" userId="9738715a2d075a3d" providerId="LiveId" clId="{69DFE550-9A40-429D-BDD2-7BCF8FC0D09D}" dt="2021-11-29T18:35:25.566" v="62" actId="26606"/>
+          <ac:spMkLst>
+            <pc:docMk/>
+            <pc:sldMk cId="3777944148" sldId="277"/>
+            <ac:spMk id="81" creationId="{AEA7509D-F04F-40CB-A0B3-EEF16499CC9F}"/>
+          </ac:spMkLst>
+        </pc:spChg>
+        <pc:spChg chg="add del">
+          <ac:chgData name="Dane Holmes" userId="9738715a2d075a3d" providerId="LiveId" clId="{69DFE550-9A40-429D-BDD2-7BCF8FC0D09D}" dt="2021-11-29T18:35:26.800" v="65" actId="26606"/>
+          <ac:spMkLst>
+            <pc:docMk/>
+            <pc:sldMk cId="3777944148" sldId="277"/>
+            <ac:spMk id="85" creationId="{158B3569-73B2-4D05-8E95-886A6EE17F1F}"/>
+          </ac:spMkLst>
+        </pc:spChg>
+        <pc:spChg chg="add del">
+          <ac:chgData name="Dane Holmes" userId="9738715a2d075a3d" providerId="LiveId" clId="{69DFE550-9A40-429D-BDD2-7BCF8FC0D09D}" dt="2021-11-29T18:35:26.800" v="65" actId="26606"/>
+          <ac:spMkLst>
+            <pc:docMk/>
+            <pc:sldMk cId="3777944148" sldId="277"/>
+            <ac:spMk id="86" creationId="{B71758F4-3F46-45DA-8AC5-4E508DA080BA}"/>
+          </ac:spMkLst>
+        </pc:spChg>
+        <pc:spChg chg="add del">
+          <ac:chgData name="Dane Holmes" userId="9738715a2d075a3d" providerId="LiveId" clId="{69DFE550-9A40-429D-BDD2-7BCF8FC0D09D}" dt="2021-11-29T18:35:26.800" v="65" actId="26606"/>
+          <ac:spMkLst>
+            <pc:docMk/>
+            <pc:sldMk cId="3777944148" sldId="277"/>
+            <ac:spMk id="88" creationId="{8D61482F-F3C5-4D66-8C5D-C6BBE3E1275C}"/>
+          </ac:spMkLst>
+        </pc:spChg>
+        <pc:spChg chg="add del">
+          <ac:chgData name="Dane Holmes" userId="9738715a2d075a3d" providerId="LiveId" clId="{69DFE550-9A40-429D-BDD2-7BCF8FC0D09D}" dt="2021-11-29T18:37:41.772" v="99" actId="26606"/>
+          <ac:spMkLst>
+            <pc:docMk/>
+            <pc:sldMk cId="3777944148" sldId="277"/>
+            <ac:spMk id="91" creationId="{EFA9B6C6-A247-48A8-9A1C-1E36FA9456B5}"/>
+          </ac:spMkLst>
+        </pc:spChg>
+        <pc:spChg chg="add del">
+          <ac:chgData name="Dane Holmes" userId="9738715a2d075a3d" providerId="LiveId" clId="{69DFE550-9A40-429D-BDD2-7BCF8FC0D09D}" dt="2021-11-29T18:37:41.772" v="99" actId="26606"/>
+          <ac:spMkLst>
+            <pc:docMk/>
+            <pc:sldMk cId="3777944148" sldId="277"/>
+            <ac:spMk id="92" creationId="{C5CB530E-515E-412C-9DF1-5F8FFBD6F383}"/>
+          </ac:spMkLst>
+        </pc:spChg>
+        <pc:spChg chg="add del">
+          <ac:chgData name="Dane Holmes" userId="9738715a2d075a3d" providerId="LiveId" clId="{69DFE550-9A40-429D-BDD2-7BCF8FC0D09D}" dt="2021-11-29T18:37:41.772" v="99" actId="26606"/>
+          <ac:spMkLst>
+            <pc:docMk/>
+            <pc:sldMk cId="3777944148" sldId="277"/>
+            <ac:spMk id="93" creationId="{712D4376-A578-4FF1-94FC-245E7A6A489F}"/>
+          </ac:spMkLst>
+        </pc:spChg>
+        <pc:spChg chg="add del">
+          <ac:chgData name="Dane Holmes" userId="9738715a2d075a3d" providerId="LiveId" clId="{69DFE550-9A40-429D-BDD2-7BCF8FC0D09D}" dt="2021-11-29T18:37:41.772" v="99" actId="26606"/>
+          <ac:spMkLst>
+            <pc:docMk/>
+            <pc:sldMk cId="3777944148" sldId="277"/>
+            <ac:spMk id="94" creationId="{AEA7509D-F04F-40CB-A0B3-EEF16499CC9F}"/>
+          </ac:spMkLst>
+        </pc:spChg>
+        <pc:spChg chg="add del">
+          <ac:chgData name="Dane Holmes" userId="9738715a2d075a3d" providerId="LiveId" clId="{69DFE550-9A40-429D-BDD2-7BCF8FC0D09D}" dt="2021-11-29T18:37:38.988" v="93" actId="26606"/>
+          <ac:spMkLst>
+            <pc:docMk/>
+            <pc:sldMk cId="3777944148" sldId="277"/>
+            <ac:spMk id="102" creationId="{D9FB580A-BA0E-4D5E-90F4-C42767A78389}"/>
+          </ac:spMkLst>
+        </pc:spChg>
+        <pc:spChg chg="add del">
+          <ac:chgData name="Dane Holmes" userId="9738715a2d075a3d" providerId="LiveId" clId="{69DFE550-9A40-429D-BDD2-7BCF8FC0D09D}" dt="2021-11-29T18:37:39.523" v="95" actId="26606"/>
+          <ac:spMkLst>
+            <pc:docMk/>
+            <pc:sldMk cId="3777944148" sldId="277"/>
+            <ac:spMk id="106" creationId="{158B3569-73B2-4D05-8E95-886A6EE17F1F}"/>
+          </ac:spMkLst>
+        </pc:spChg>
+        <pc:spChg chg="add del">
+          <ac:chgData name="Dane Holmes" userId="9738715a2d075a3d" providerId="LiveId" clId="{69DFE550-9A40-429D-BDD2-7BCF8FC0D09D}" dt="2021-11-29T18:37:40.097" v="97" actId="26606"/>
+          <ac:spMkLst>
+            <pc:docMk/>
+            <pc:sldMk cId="3777944148" sldId="277"/>
+            <ac:spMk id="108" creationId="{AEA7509D-F04F-40CB-A0B3-EEF16499CC9F}"/>
+          </ac:spMkLst>
+        </pc:spChg>
+        <pc:spChg chg="add del">
+          <ac:chgData name="Dane Holmes" userId="9738715a2d075a3d" providerId="LiveId" clId="{69DFE550-9A40-429D-BDD2-7BCF8FC0D09D}" dt="2021-11-29T18:37:40.097" v="97" actId="26606"/>
+          <ac:spMkLst>
+            <pc:docMk/>
+            <pc:sldMk cId="3777944148" sldId="277"/>
+            <ac:spMk id="111" creationId="{EFA9B6C6-A247-48A8-9A1C-1E36FA9456B5}"/>
+          </ac:spMkLst>
+        </pc:spChg>
+        <pc:spChg chg="add del">
+          <ac:chgData name="Dane Holmes" userId="9738715a2d075a3d" providerId="LiveId" clId="{69DFE550-9A40-429D-BDD2-7BCF8FC0D09D}" dt="2021-11-29T18:37:40.097" v="97" actId="26606"/>
+          <ac:spMkLst>
+            <pc:docMk/>
+            <pc:sldMk cId="3777944148" sldId="277"/>
+            <ac:spMk id="112" creationId="{C5CB530E-515E-412C-9DF1-5F8FFBD6F383}"/>
+          </ac:spMkLst>
+        </pc:spChg>
+        <pc:spChg chg="add del">
+          <ac:chgData name="Dane Holmes" userId="9738715a2d075a3d" providerId="LiveId" clId="{69DFE550-9A40-429D-BDD2-7BCF8FC0D09D}" dt="2021-11-29T18:37:40.097" v="97" actId="26606"/>
+          <ac:spMkLst>
+            <pc:docMk/>
+            <pc:sldMk cId="3777944148" sldId="277"/>
+            <ac:spMk id="113" creationId="{712D4376-A578-4FF1-94FC-245E7A6A489F}"/>
+          </ac:spMkLst>
+        </pc:spChg>
+        <pc:spChg chg="add del">
+          <ac:chgData name="Dane Holmes" userId="9738715a2d075a3d" providerId="LiveId" clId="{69DFE550-9A40-429D-BDD2-7BCF8FC0D09D}" dt="2021-11-29T18:37:41.772" v="99" actId="26606"/>
+          <ac:spMkLst>
+            <pc:docMk/>
+            <pc:sldMk cId="3777944148" sldId="277"/>
+            <ac:spMk id="116" creationId="{EFA9B6C6-A247-48A8-9A1C-1E36FA9456B5}"/>
+          </ac:spMkLst>
+        </pc:spChg>
+        <pc:spChg chg="add del">
+          <ac:chgData name="Dane Holmes" userId="9738715a2d075a3d" providerId="LiveId" clId="{69DFE550-9A40-429D-BDD2-7BCF8FC0D09D}" dt="2021-11-29T18:37:41.772" v="99" actId="26606"/>
+          <ac:spMkLst>
+            <pc:docMk/>
+            <pc:sldMk cId="3777944148" sldId="277"/>
+            <ac:spMk id="117" creationId="{C5CB530E-515E-412C-9DF1-5F8FFBD6F383}"/>
+          </ac:spMkLst>
+        </pc:spChg>
+        <pc:spChg chg="add del">
+          <ac:chgData name="Dane Holmes" userId="9738715a2d075a3d" providerId="LiveId" clId="{69DFE550-9A40-429D-BDD2-7BCF8FC0D09D}" dt="2021-11-29T18:37:41.772" v="99" actId="26606"/>
+          <ac:spMkLst>
+            <pc:docMk/>
+            <pc:sldMk cId="3777944148" sldId="277"/>
+            <ac:spMk id="118" creationId="{712D4376-A578-4FF1-94FC-245E7A6A489F}"/>
+          </ac:spMkLst>
+        </pc:spChg>
+        <pc:spChg chg="add del">
+          <ac:chgData name="Dane Holmes" userId="9738715a2d075a3d" providerId="LiveId" clId="{69DFE550-9A40-429D-BDD2-7BCF8FC0D09D}" dt="2021-11-29T18:37:41.772" v="99" actId="26606"/>
+          <ac:spMkLst>
+            <pc:docMk/>
+            <pc:sldMk cId="3777944148" sldId="277"/>
+            <ac:spMk id="119" creationId="{AEA7509D-F04F-40CB-A0B3-EEF16499CC9F}"/>
+          </ac:spMkLst>
+        </pc:spChg>
+        <pc:picChg chg="add mod ord modCrop">
+          <ac:chgData name="Dane Holmes" userId="9738715a2d075a3d" providerId="LiveId" clId="{69DFE550-9A40-429D-BDD2-7BCF8FC0D09D}" dt="2021-11-29T18:37:48.169" v="118" actId="14100"/>
+          <ac:picMkLst>
+            <pc:docMk/>
+            <pc:sldMk cId="3777944148" sldId="277"/>
+            <ac:picMk id="4" creationId="{38B0A1AE-397C-46EB-87DF-989EDFC8344E}"/>
+          </ac:picMkLst>
+        </pc:picChg>
+        <pc:picChg chg="add mod ord modCrop">
+          <ac:chgData name="Dane Holmes" userId="9738715a2d075a3d" providerId="LiveId" clId="{69DFE550-9A40-429D-BDD2-7BCF8FC0D09D}" dt="2021-11-29T18:38:07.857" v="120" actId="166"/>
+          <ac:picMkLst>
+            <pc:docMk/>
+            <pc:sldMk cId="3777944148" sldId="277"/>
+            <ac:picMk id="6" creationId="{86D9E1D4-97EC-450B-B2C9-449B34E4D240}"/>
+          </ac:picMkLst>
+        </pc:picChg>
+        <pc:picChg chg="add del">
+          <ac:chgData name="Dane Holmes" userId="9738715a2d075a3d" providerId="LiveId" clId="{69DFE550-9A40-429D-BDD2-7BCF8FC0D09D}" dt="2021-11-29T18:35:24.306" v="59" actId="26606"/>
+          <ac:picMkLst>
+            <pc:docMk/>
+            <pc:sldMk cId="3777944148" sldId="277"/>
+            <ac:picMk id="68" creationId="{508BEF50-7B1E-49A4-BC19-5F4F1D755E64}"/>
+          </ac:picMkLst>
+        </pc:picChg>
+        <pc:picChg chg="add del">
+          <ac:chgData name="Dane Holmes" userId="9738715a2d075a3d" providerId="LiveId" clId="{69DFE550-9A40-429D-BDD2-7BCF8FC0D09D}" dt="2021-11-29T18:35:24.306" v="59" actId="26606"/>
+          <ac:picMkLst>
+            <pc:docMk/>
+            <pc:sldMk cId="3777944148" sldId="277"/>
+            <ac:picMk id="69" creationId="{3FBAD350-5664-4811-A208-657FB882D350}"/>
+          </ac:picMkLst>
+        </pc:picChg>
+        <pc:picChg chg="add del">
+          <ac:chgData name="Dane Holmes" userId="9738715a2d075a3d" providerId="LiveId" clId="{69DFE550-9A40-429D-BDD2-7BCF8FC0D09D}" dt="2021-11-29T18:35:24.306" v="59" actId="26606"/>
+          <ac:picMkLst>
+            <pc:docMk/>
+            <pc:sldMk cId="3777944148" sldId="277"/>
+            <ac:picMk id="70" creationId="{C39ADB8F-D187-49D7-BDCF-C1B6DC727068}"/>
+          </ac:picMkLst>
+        </pc:picChg>
+        <pc:cxnChg chg="add del">
+          <ac:chgData name="Dane Holmes" userId="9738715a2d075a3d" providerId="LiveId" clId="{69DFE550-9A40-429D-BDD2-7BCF8FC0D09D}" dt="2021-11-29T18:34:58.121" v="40" actId="26606"/>
+          <ac:cxnSpMkLst>
+            <pc:docMk/>
+            <pc:sldMk cId="3777944148" sldId="277"/>
+            <ac:cxnSpMk id="11" creationId="{D1B787A8-0D67-4B7E-9B48-86BD906AB6B5}"/>
+          </ac:cxnSpMkLst>
+        </pc:cxnChg>
+        <pc:cxnChg chg="add del">
+          <ac:chgData name="Dane Holmes" userId="9738715a2d075a3d" providerId="LiveId" clId="{69DFE550-9A40-429D-BDD2-7BCF8FC0D09D}" dt="2021-11-29T18:34:58.121" v="40" actId="26606"/>
+          <ac:cxnSpMkLst>
+            <pc:docMk/>
+            <pc:sldMk cId="3777944148" sldId="277"/>
+            <ac:cxnSpMk id="21" creationId="{56020367-4FD5-4596-8E10-C5F095CD8DBF}"/>
+          </ac:cxnSpMkLst>
+        </pc:cxnChg>
+        <pc:cxnChg chg="add del">
+          <ac:chgData name="Dane Holmes" userId="9738715a2d075a3d" providerId="LiveId" clId="{69DFE550-9A40-429D-BDD2-7BCF8FC0D09D}" dt="2021-11-29T18:35:00.698" v="42" actId="26606"/>
+          <ac:cxnSpMkLst>
+            <pc:docMk/>
+            <pc:sldMk cId="3777944148" sldId="277"/>
+            <ac:cxnSpMk id="23" creationId="{D1B787A8-0D67-4B7E-9B48-86BD906AB6B5}"/>
+          </ac:cxnSpMkLst>
+        </pc:cxnChg>
+        <pc:cxnChg chg="add del">
+          <ac:chgData name="Dane Holmes" userId="9738715a2d075a3d" providerId="LiveId" clId="{69DFE550-9A40-429D-BDD2-7BCF8FC0D09D}" dt="2021-11-29T18:35:00.698" v="42" actId="26606"/>
+          <ac:cxnSpMkLst>
+            <pc:docMk/>
+            <pc:sldMk cId="3777944148" sldId="277"/>
+            <ac:cxnSpMk id="26" creationId="{56020367-4FD5-4596-8E10-C5F095CD8DBF}"/>
+          </ac:cxnSpMkLst>
+        </pc:cxnChg>
+        <pc:cxnChg chg="add del">
+          <ac:chgData name="Dane Holmes" userId="9738715a2d075a3d" providerId="LiveId" clId="{69DFE550-9A40-429D-BDD2-7BCF8FC0D09D}" dt="2021-11-29T18:35:01.575" v="45" actId="26606"/>
+          <ac:cxnSpMkLst>
+            <pc:docMk/>
+            <pc:sldMk cId="3777944148" sldId="277"/>
+            <ac:cxnSpMk id="29" creationId="{D1B787A8-0D67-4B7E-9B48-86BD906AB6B5}"/>
+          </ac:cxnSpMkLst>
+        </pc:cxnChg>
+        <pc:cxnChg chg="add del">
+          <ac:chgData name="Dane Holmes" userId="9738715a2d075a3d" providerId="LiveId" clId="{69DFE550-9A40-429D-BDD2-7BCF8FC0D09D}" dt="2021-11-29T18:35:01.575" v="45" actId="26606"/>
+          <ac:cxnSpMkLst>
+            <pc:docMk/>
+            <pc:sldMk cId="3777944148" sldId="277"/>
+            <ac:cxnSpMk id="34" creationId="{56020367-4FD5-4596-8E10-C5F095CD8DBF}"/>
+          </ac:cxnSpMkLst>
+        </pc:cxnChg>
+        <pc:cxnChg chg="add del">
+          <ac:chgData name="Dane Holmes" userId="9738715a2d075a3d" providerId="LiveId" clId="{69DFE550-9A40-429D-BDD2-7BCF8FC0D09D}" dt="2021-11-29T18:35:02.607" v="48" actId="26606"/>
+          <ac:cxnSpMkLst>
+            <pc:docMk/>
+            <pc:sldMk cId="3777944148" sldId="277"/>
+            <ac:cxnSpMk id="36" creationId="{D1B787A8-0D67-4B7E-9B48-86BD906AB6B5}"/>
+          </ac:cxnSpMkLst>
+        </pc:cxnChg>
+        <pc:cxnChg chg="add del">
+          <ac:chgData name="Dane Holmes" userId="9738715a2d075a3d" providerId="LiveId" clId="{69DFE550-9A40-429D-BDD2-7BCF8FC0D09D}" dt="2021-11-29T18:35:02.607" v="48" actId="26606"/>
+          <ac:cxnSpMkLst>
+            <pc:docMk/>
+            <pc:sldMk cId="3777944148" sldId="277"/>
+            <ac:cxnSpMk id="39" creationId="{56020367-4FD5-4596-8E10-C5F095CD8DBF}"/>
+          </ac:cxnSpMkLst>
+        </pc:cxnChg>
+        <pc:cxnChg chg="add del">
+          <ac:chgData name="Dane Holmes" userId="9738715a2d075a3d" providerId="LiveId" clId="{69DFE550-9A40-429D-BDD2-7BCF8FC0D09D}" dt="2021-11-29T18:35:04.683" v="50" actId="26606"/>
+          <ac:cxnSpMkLst>
+            <pc:docMk/>
+            <pc:sldMk cId="3777944148" sldId="277"/>
+            <ac:cxnSpMk id="42" creationId="{D1B787A8-0D67-4B7E-9B48-86BD906AB6B5}"/>
+          </ac:cxnSpMkLst>
+        </pc:cxnChg>
+        <pc:cxnChg chg="add del">
+          <ac:chgData name="Dane Holmes" userId="9738715a2d075a3d" providerId="LiveId" clId="{69DFE550-9A40-429D-BDD2-7BCF8FC0D09D}" dt="2021-11-29T18:35:05.625" v="52" actId="26606"/>
+          <ac:cxnSpMkLst>
+            <pc:docMk/>
+            <pc:sldMk cId="3777944148" sldId="277"/>
+            <ac:cxnSpMk id="45" creationId="{D1B787A8-0D67-4B7E-9B48-86BD906AB6B5}"/>
+          </ac:cxnSpMkLst>
+        </pc:cxnChg>
+        <pc:cxnChg chg="add del">
+          <ac:chgData name="Dane Holmes" userId="9738715a2d075a3d" providerId="LiveId" clId="{69DFE550-9A40-429D-BDD2-7BCF8FC0D09D}" dt="2021-11-29T18:35:05.625" v="52" actId="26606"/>
+          <ac:cxnSpMkLst>
+            <pc:docMk/>
+            <pc:sldMk cId="3777944148" sldId="277"/>
+            <ac:cxnSpMk id="50" creationId="{56020367-4FD5-4596-8E10-C5F095CD8DBF}"/>
+          </ac:cxnSpMkLst>
+        </pc:cxnChg>
+        <pc:cxnChg chg="add del">
+          <ac:chgData name="Dane Holmes" userId="9738715a2d075a3d" providerId="LiveId" clId="{69DFE550-9A40-429D-BDD2-7BCF8FC0D09D}" dt="2021-11-29T18:35:07.547" v="54" actId="26606"/>
+          <ac:cxnSpMkLst>
+            <pc:docMk/>
+            <pc:sldMk cId="3777944148" sldId="277"/>
+            <ac:cxnSpMk id="52" creationId="{D1B787A8-0D67-4B7E-9B48-86BD906AB6B5}"/>
+          </ac:cxnSpMkLst>
+        </pc:cxnChg>
+        <pc:cxnChg chg="add del">
+          <ac:chgData name="Dane Holmes" userId="9738715a2d075a3d" providerId="LiveId" clId="{69DFE550-9A40-429D-BDD2-7BCF8FC0D09D}" dt="2021-11-29T18:35:07.547" v="54" actId="26606"/>
+          <ac:cxnSpMkLst>
+            <pc:docMk/>
+            <pc:sldMk cId="3777944148" sldId="277"/>
+            <ac:cxnSpMk id="58" creationId="{56020367-4FD5-4596-8E10-C5F095CD8DBF}"/>
+          </ac:cxnSpMkLst>
+        </pc:cxnChg>
+        <pc:cxnChg chg="add del">
+          <ac:chgData name="Dane Holmes" userId="9738715a2d075a3d" providerId="LiveId" clId="{69DFE550-9A40-429D-BDD2-7BCF8FC0D09D}" dt="2021-11-29T18:35:19.579" v="56" actId="26606"/>
+          <ac:cxnSpMkLst>
+            <pc:docMk/>
+            <pc:sldMk cId="3777944148" sldId="277"/>
+            <ac:cxnSpMk id="60" creationId="{D1B787A8-0D67-4B7E-9B48-86BD906AB6B5}"/>
+          </ac:cxnSpMkLst>
+        </pc:cxnChg>
+        <pc:cxnChg chg="add del">
+          <ac:chgData name="Dane Holmes" userId="9738715a2d075a3d" providerId="LiveId" clId="{69DFE550-9A40-429D-BDD2-7BCF8FC0D09D}" dt="2021-11-29T18:35:24.306" v="59" actId="26606"/>
+          <ac:cxnSpMkLst>
+            <pc:docMk/>
+            <pc:sldMk cId="3777944148" sldId="277"/>
+            <ac:cxnSpMk id="66" creationId="{D1B787A8-0D67-4B7E-9B48-86BD906AB6B5}"/>
+          </ac:cxnSpMkLst>
+        </pc:cxnChg>
+        <pc:cxnChg chg="add del">
+          <ac:chgData name="Dane Holmes" userId="9738715a2d075a3d" providerId="LiveId" clId="{69DFE550-9A40-429D-BDD2-7BCF8FC0D09D}" dt="2021-11-29T18:35:24.306" v="59" actId="26606"/>
+          <ac:cxnSpMkLst>
+            <pc:docMk/>
+            <pc:sldMk cId="3777944148" sldId="277"/>
+            <ac:cxnSpMk id="75" creationId="{56020367-4FD5-4596-8E10-C5F095CD8DBF}"/>
+          </ac:cxnSpMkLst>
+        </pc:cxnChg>
+        <pc:cxnChg chg="add del">
+          <ac:chgData name="Dane Holmes" userId="9738715a2d075a3d" providerId="LiveId" clId="{69DFE550-9A40-429D-BDD2-7BCF8FC0D09D}" dt="2021-11-29T18:35:25.566" v="62" actId="26606"/>
+          <ac:cxnSpMkLst>
+            <pc:docMk/>
+            <pc:sldMk cId="3777944148" sldId="277"/>
+            <ac:cxnSpMk id="77" creationId="{D1B787A8-0D67-4B7E-9B48-86BD906AB6B5}"/>
+          </ac:cxnSpMkLst>
+        </pc:cxnChg>
+        <pc:cxnChg chg="add del">
+          <ac:chgData name="Dane Holmes" userId="9738715a2d075a3d" providerId="LiveId" clId="{69DFE550-9A40-429D-BDD2-7BCF8FC0D09D}" dt="2021-11-29T18:35:25.566" v="62" actId="26606"/>
+          <ac:cxnSpMkLst>
+            <pc:docMk/>
+            <pc:sldMk cId="3777944148" sldId="277"/>
+            <ac:cxnSpMk id="82" creationId="{56020367-4FD5-4596-8E10-C5F095CD8DBF}"/>
+          </ac:cxnSpMkLst>
+        </pc:cxnChg>
+        <pc:cxnChg chg="add del">
+          <ac:chgData name="Dane Holmes" userId="9738715a2d075a3d" providerId="LiveId" clId="{69DFE550-9A40-429D-BDD2-7BCF8FC0D09D}" dt="2021-11-29T18:35:26.800" v="65" actId="26606"/>
+          <ac:cxnSpMkLst>
+            <pc:docMk/>
+            <pc:sldMk cId="3777944148" sldId="277"/>
+            <ac:cxnSpMk id="84" creationId="{D1B787A8-0D67-4B7E-9B48-86BD906AB6B5}"/>
+          </ac:cxnSpMkLst>
+        </pc:cxnChg>
+        <pc:cxnChg chg="add del">
+          <ac:chgData name="Dane Holmes" userId="9738715a2d075a3d" providerId="LiveId" clId="{69DFE550-9A40-429D-BDD2-7BCF8FC0D09D}" dt="2021-11-29T18:35:26.800" v="65" actId="26606"/>
+          <ac:cxnSpMkLst>
+            <pc:docMk/>
+            <pc:sldMk cId="3777944148" sldId="277"/>
+            <ac:cxnSpMk id="87" creationId="{56020367-4FD5-4596-8E10-C5F095CD8DBF}"/>
+          </ac:cxnSpMkLst>
+        </pc:cxnChg>
+        <pc:cxnChg chg="add del">
+          <ac:chgData name="Dane Holmes" userId="9738715a2d075a3d" providerId="LiveId" clId="{69DFE550-9A40-429D-BDD2-7BCF8FC0D09D}" dt="2021-11-29T18:37:41.772" v="99" actId="26606"/>
+          <ac:cxnSpMkLst>
+            <pc:docMk/>
+            <pc:sldMk cId="3777944148" sldId="277"/>
+            <ac:cxnSpMk id="90" creationId="{D1B787A8-0D67-4B7E-9B48-86BD906AB6B5}"/>
+          </ac:cxnSpMkLst>
+        </pc:cxnChg>
+        <pc:cxnChg chg="add del">
+          <ac:chgData name="Dane Holmes" userId="9738715a2d075a3d" providerId="LiveId" clId="{69DFE550-9A40-429D-BDD2-7BCF8FC0D09D}" dt="2021-11-29T18:37:41.772" v="99" actId="26606"/>
+          <ac:cxnSpMkLst>
+            <pc:docMk/>
+            <pc:sldMk cId="3777944148" sldId="277"/>
+            <ac:cxnSpMk id="95" creationId="{56020367-4FD5-4596-8E10-C5F095CD8DBF}"/>
+          </ac:cxnSpMkLst>
+        </pc:cxnChg>
+        <pc:cxnChg chg="add del">
+          <ac:chgData name="Dane Holmes" userId="9738715a2d075a3d" providerId="LiveId" clId="{69DFE550-9A40-429D-BDD2-7BCF8FC0D09D}" dt="2021-11-29T18:37:38.988" v="93" actId="26606"/>
+          <ac:cxnSpMkLst>
+            <pc:docMk/>
+            <pc:sldMk cId="3777944148" sldId="277"/>
+            <ac:cxnSpMk id="100" creationId="{D1B787A8-0D67-4B7E-9B48-86BD906AB6B5}"/>
+          </ac:cxnSpMkLst>
+        </pc:cxnChg>
+        <pc:cxnChg chg="add del">
+          <ac:chgData name="Dane Holmes" userId="9738715a2d075a3d" providerId="LiveId" clId="{69DFE550-9A40-429D-BDD2-7BCF8FC0D09D}" dt="2021-11-29T18:37:39.523" v="95" actId="26606"/>
+          <ac:cxnSpMkLst>
+            <pc:docMk/>
+            <pc:sldMk cId="3777944148" sldId="277"/>
+            <ac:cxnSpMk id="104" creationId="{56020367-4FD5-4596-8E10-C5F095CD8DBF}"/>
+          </ac:cxnSpMkLst>
+        </pc:cxnChg>
+        <pc:cxnChg chg="add del">
+          <ac:chgData name="Dane Holmes" userId="9738715a2d075a3d" providerId="LiveId" clId="{69DFE550-9A40-429D-BDD2-7BCF8FC0D09D}" dt="2021-11-29T18:37:39.523" v="95" actId="26606"/>
+          <ac:cxnSpMkLst>
+            <pc:docMk/>
+            <pc:sldMk cId="3777944148" sldId="277"/>
+            <ac:cxnSpMk id="105" creationId="{D1B787A8-0D67-4B7E-9B48-86BD906AB6B5}"/>
+          </ac:cxnSpMkLst>
+        </pc:cxnChg>
+        <pc:cxnChg chg="add del">
+          <ac:chgData name="Dane Holmes" userId="9738715a2d075a3d" providerId="LiveId" clId="{69DFE550-9A40-429D-BDD2-7BCF8FC0D09D}" dt="2021-11-29T18:37:40.097" v="97" actId="26606"/>
+          <ac:cxnSpMkLst>
+            <pc:docMk/>
+            <pc:sldMk cId="3777944148" sldId="277"/>
+            <ac:cxnSpMk id="109" creationId="{D1B787A8-0D67-4B7E-9B48-86BD906AB6B5}"/>
+          </ac:cxnSpMkLst>
+        </pc:cxnChg>
+        <pc:cxnChg chg="add del">
+          <ac:chgData name="Dane Holmes" userId="9738715a2d075a3d" providerId="LiveId" clId="{69DFE550-9A40-429D-BDD2-7BCF8FC0D09D}" dt="2021-11-29T18:37:40.097" v="97" actId="26606"/>
+          <ac:cxnSpMkLst>
+            <pc:docMk/>
+            <pc:sldMk cId="3777944148" sldId="277"/>
+            <ac:cxnSpMk id="110" creationId="{56020367-4FD5-4596-8E10-C5F095CD8DBF}"/>
+          </ac:cxnSpMkLst>
+        </pc:cxnChg>
+        <pc:cxnChg chg="add del">
+          <ac:chgData name="Dane Holmes" userId="9738715a2d075a3d" providerId="LiveId" clId="{69DFE550-9A40-429D-BDD2-7BCF8FC0D09D}" dt="2021-11-29T18:37:41.772" v="99" actId="26606"/>
+          <ac:cxnSpMkLst>
+            <pc:docMk/>
+            <pc:sldMk cId="3777944148" sldId="277"/>
+            <ac:cxnSpMk id="115" creationId="{D1B787A8-0D67-4B7E-9B48-86BD906AB6B5}"/>
+          </ac:cxnSpMkLst>
+        </pc:cxnChg>
+        <pc:cxnChg chg="add del">
+          <ac:chgData name="Dane Holmes" userId="9738715a2d075a3d" providerId="LiveId" clId="{69DFE550-9A40-429D-BDD2-7BCF8FC0D09D}" dt="2021-11-29T18:37:41.772" v="99" actId="26606"/>
+          <ac:cxnSpMkLst>
+            <pc:docMk/>
+            <pc:sldMk cId="3777944148" sldId="277"/>
+            <ac:cxnSpMk id="120" creationId="{56020367-4FD5-4596-8E10-C5F095CD8DBF}"/>
+          </ac:cxnSpMkLst>
+        </pc:cxnChg>
+      </pc:sldChg>
+      <pc:sldChg chg="addSp delSp modSp add mod">
+        <pc:chgData name="Dane Holmes" userId="9738715a2d075a3d" providerId="LiveId" clId="{69DFE550-9A40-429D-BDD2-7BCF8FC0D09D}" dt="2021-11-29T18:39:53.466" v="140" actId="1076"/>
+        <pc:sldMkLst>
+          <pc:docMk/>
+          <pc:sldMk cId="1374861028" sldId="278"/>
+        </pc:sldMkLst>
+        <pc:spChg chg="del">
+          <ac:chgData name="Dane Holmes" userId="9738715a2d075a3d" providerId="LiveId" clId="{69DFE550-9A40-429D-BDD2-7BCF8FC0D09D}" dt="2021-11-29T18:38:58.655" v="128" actId="478"/>
+          <ac:spMkLst>
+            <pc:docMk/>
+            <pc:sldMk cId="1374861028" sldId="278"/>
+            <ac:spMk id="7" creationId="{3E91D7D1-EF94-46B0-804B-7DADE66C1F01}"/>
+          </ac:spMkLst>
+        </pc:spChg>
+        <pc:picChg chg="add mod modCrop">
+          <ac:chgData name="Dane Holmes" userId="9738715a2d075a3d" providerId="LiveId" clId="{69DFE550-9A40-429D-BDD2-7BCF8FC0D09D}" dt="2021-11-29T18:39:49.680" v="139" actId="1076"/>
+          <ac:picMkLst>
+            <pc:docMk/>
+            <pc:sldMk cId="1374861028" sldId="278"/>
+            <ac:picMk id="4" creationId="{2981624D-628E-4328-999D-584DE7B63380}"/>
+          </ac:picMkLst>
+        </pc:picChg>
+        <pc:picChg chg="add mod modCrop">
+          <ac:chgData name="Dane Holmes" userId="9738715a2d075a3d" providerId="LiveId" clId="{69DFE550-9A40-429D-BDD2-7BCF8FC0D09D}" dt="2021-11-29T18:39:53.466" v="140" actId="1076"/>
+          <ac:picMkLst>
+            <pc:docMk/>
+            <pc:sldMk cId="1374861028" sldId="278"/>
+            <ac:picMk id="5" creationId="{D3357C61-8CBF-44BB-873C-8D9D22407618}"/>
+          </ac:picMkLst>
+        </pc:picChg>
+      </pc:sldChg>
+      <pc:sldChg chg="addSp modSp add mod ord">
+        <pc:chgData name="Dane Holmes" userId="9738715a2d075a3d" providerId="LiveId" clId="{69DFE550-9A40-429D-BDD2-7BCF8FC0D09D}" dt="2021-11-29T22:19:21.317" v="1311" actId="1076"/>
+        <pc:sldMkLst>
+          <pc:docMk/>
+          <pc:sldMk cId="2231812740" sldId="279"/>
+        </pc:sldMkLst>
+        <pc:spChg chg="mod">
+          <ac:chgData name="Dane Holmes" userId="9738715a2d075a3d" providerId="LiveId" clId="{69DFE550-9A40-429D-BDD2-7BCF8FC0D09D}" dt="2021-11-29T22:18:30.643" v="1305" actId="14100"/>
+          <ac:spMkLst>
+            <pc:docMk/>
+            <pc:sldMk cId="2231812740" sldId="279"/>
+            <ac:spMk id="7" creationId="{3E91D7D1-EF94-46B0-804B-7DADE66C1F01}"/>
+          </ac:spMkLst>
+        </pc:spChg>
+        <pc:picChg chg="add mod">
+          <ac:chgData name="Dane Holmes" userId="9738715a2d075a3d" providerId="LiveId" clId="{69DFE550-9A40-429D-BDD2-7BCF8FC0D09D}" dt="2021-11-29T22:18:36.105" v="1306" actId="1076"/>
+          <ac:picMkLst>
+            <pc:docMk/>
+            <pc:sldMk cId="2231812740" sldId="279"/>
+            <ac:picMk id="4" creationId="{BED582D1-7A93-4CF5-A471-87F4CDF20A71}"/>
+          </ac:picMkLst>
+        </pc:picChg>
+        <pc:picChg chg="add mod">
+          <ac:chgData name="Dane Holmes" userId="9738715a2d075a3d" providerId="LiveId" clId="{69DFE550-9A40-429D-BDD2-7BCF8FC0D09D}" dt="2021-11-29T22:19:21.317" v="1311" actId="1076"/>
+          <ac:picMkLst>
+            <pc:docMk/>
+            <pc:sldMk cId="2231812740" sldId="279"/>
+            <ac:picMk id="6" creationId="{20464F2E-85FE-4F66-BEA8-E96612327A43}"/>
+          </ac:picMkLst>
+        </pc:picChg>
+      </pc:sldChg>
+      <pc:sldChg chg="addSp delSp modSp add mod">
+        <pc:chgData name="Dane Holmes" userId="9738715a2d075a3d" providerId="LiveId" clId="{69DFE550-9A40-429D-BDD2-7BCF8FC0D09D}" dt="2021-11-29T20:16:40.468" v="836" actId="20577"/>
+        <pc:sldMkLst>
+          <pc:docMk/>
+          <pc:sldMk cId="2303638540" sldId="280"/>
+        </pc:sldMkLst>
+        <pc:spChg chg="mod">
+          <ac:chgData name="Dane Holmes" userId="9738715a2d075a3d" providerId="LiveId" clId="{69DFE550-9A40-429D-BDD2-7BCF8FC0D09D}" dt="2021-11-29T20:16:40.468" v="836" actId="20577"/>
+          <ac:spMkLst>
+            <pc:docMk/>
+            <pc:sldMk cId="2303638540" sldId="280"/>
+            <ac:spMk id="2" creationId="{91F67CBF-1BEA-4F04-AD9A-284770C2CC46}"/>
+          </ac:spMkLst>
+        </pc:spChg>
+        <pc:spChg chg="mod">
+          <ac:chgData name="Dane Holmes" userId="9738715a2d075a3d" providerId="LiveId" clId="{69DFE550-9A40-429D-BDD2-7BCF8FC0D09D}" dt="2021-11-29T20:06:15.125" v="566" actId="20577"/>
+          <ac:spMkLst>
+            <pc:docMk/>
+            <pc:sldMk cId="2303638540" sldId="280"/>
+            <ac:spMk id="5" creationId="{CAF91437-6854-44AC-BAA2-41FE4EF82C8C}"/>
+          </ac:spMkLst>
+        </pc:spChg>
+        <pc:spChg chg="add mod">
+          <ac:chgData name="Dane Holmes" userId="9738715a2d075a3d" providerId="LiveId" clId="{69DFE550-9A40-429D-BDD2-7BCF8FC0D09D}" dt="2021-11-29T20:08:32.469" v="597" actId="1076"/>
+          <ac:spMkLst>
+            <pc:docMk/>
+            <pc:sldMk cId="2303638540" sldId="280"/>
+            <ac:spMk id="6" creationId="{5D2CC7D3-460C-488C-A2CB-ACF327705A84}"/>
+          </ac:spMkLst>
+        </pc:spChg>
+        <pc:picChg chg="del">
+          <ac:chgData name="Dane Holmes" userId="9738715a2d075a3d" providerId="LiveId" clId="{69DFE550-9A40-429D-BDD2-7BCF8FC0D09D}" dt="2021-11-29T19:44:59.461" v="408" actId="478"/>
+          <ac:picMkLst>
+            <pc:docMk/>
+            <pc:sldMk cId="2303638540" sldId="280"/>
+            <ac:picMk id="4" creationId="{8F05F673-040D-47AB-9C00-4C55E48B15C0}"/>
+          </ac:picMkLst>
+        </pc:picChg>
+        <pc:picChg chg="add del mod">
+          <ac:chgData name="Dane Holmes" userId="9738715a2d075a3d" providerId="LiveId" clId="{69DFE550-9A40-429D-BDD2-7BCF8FC0D09D}" dt="2021-11-29T19:50:05.758" v="453" actId="478"/>
+          <ac:picMkLst>
+            <pc:docMk/>
+            <pc:sldMk cId="2303638540" sldId="280"/>
+            <ac:picMk id="7" creationId="{33B762C5-9C77-459A-9945-E5FE33442ABF}"/>
+          </ac:picMkLst>
+        </pc:picChg>
+        <pc:picChg chg="del">
+          <ac:chgData name="Dane Holmes" userId="9738715a2d075a3d" providerId="LiveId" clId="{69DFE550-9A40-429D-BDD2-7BCF8FC0D09D}" dt="2021-11-29T19:45:01.318" v="409" actId="478"/>
+          <ac:picMkLst>
+            <pc:docMk/>
+            <pc:sldMk cId="2303638540" sldId="280"/>
+            <ac:picMk id="8" creationId="{5DEBF238-C183-4C16-A490-81A3F7C322EA}"/>
+          </ac:picMkLst>
+        </pc:picChg>
+        <pc:picChg chg="add del mod">
+          <ac:chgData name="Dane Holmes" userId="9738715a2d075a3d" providerId="LiveId" clId="{69DFE550-9A40-429D-BDD2-7BCF8FC0D09D}" dt="2021-11-29T20:02:28.440" v="458" actId="478"/>
+          <ac:picMkLst>
+            <pc:docMk/>
+            <pc:sldMk cId="2303638540" sldId="280"/>
+            <ac:picMk id="9" creationId="{33FF8338-7382-4028-8DCE-043F41DBCABB}"/>
+          </ac:picMkLst>
+        </pc:picChg>
+        <pc:picChg chg="add del mod">
+          <ac:chgData name="Dane Holmes" userId="9738715a2d075a3d" providerId="LiveId" clId="{69DFE550-9A40-429D-BDD2-7BCF8FC0D09D}" dt="2021-11-29T20:02:48.152" v="462" actId="478"/>
+          <ac:picMkLst>
+            <pc:docMk/>
+            <pc:sldMk cId="2303638540" sldId="280"/>
+            <ac:picMk id="11" creationId="{6FFD047F-72E7-47CC-A5F1-F2465E273298}"/>
+          </ac:picMkLst>
+        </pc:picChg>
+        <pc:picChg chg="add del mod">
+          <ac:chgData name="Dane Holmes" userId="9738715a2d075a3d" providerId="LiveId" clId="{69DFE550-9A40-429D-BDD2-7BCF8FC0D09D}" dt="2021-11-29T20:04:50.460" v="555" actId="478"/>
+          <ac:picMkLst>
+            <pc:docMk/>
+            <pc:sldMk cId="2303638540" sldId="280"/>
+            <ac:picMk id="13" creationId="{F9E964E4-175F-400F-8000-36CE86B3731C}"/>
+          </ac:picMkLst>
+        </pc:picChg>
+        <pc:picChg chg="add mod">
+          <ac:chgData name="Dane Holmes" userId="9738715a2d075a3d" providerId="LiveId" clId="{69DFE550-9A40-429D-BDD2-7BCF8FC0D09D}" dt="2021-11-29T20:04:58.359" v="558" actId="1076"/>
+          <ac:picMkLst>
+            <pc:docMk/>
+            <pc:sldMk cId="2303638540" sldId="280"/>
+            <ac:picMk id="15" creationId="{92080125-956E-4043-A23C-7AF42AC989A4}"/>
+          </ac:picMkLst>
+        </pc:picChg>
+        <pc:picChg chg="add mod">
+          <ac:chgData name="Dane Holmes" userId="9738715a2d075a3d" providerId="LiveId" clId="{69DFE550-9A40-429D-BDD2-7BCF8FC0D09D}" dt="2021-11-29T20:06:01.524" v="565" actId="1076"/>
+          <ac:picMkLst>
+            <pc:docMk/>
+            <pc:sldMk cId="2303638540" sldId="280"/>
+            <ac:picMk id="17" creationId="{B193208F-DA50-4B63-84A4-EF5EC5396824}"/>
+          </ac:picMkLst>
+        </pc:picChg>
+        <pc:picChg chg="add mod">
+          <ac:chgData name="Dane Holmes" userId="9738715a2d075a3d" providerId="LiveId" clId="{69DFE550-9A40-429D-BDD2-7BCF8FC0D09D}" dt="2021-11-29T20:06:59.679" v="569" actId="14100"/>
+          <ac:picMkLst>
+            <pc:docMk/>
+            <pc:sldMk cId="2303638540" sldId="280"/>
+            <ac:picMk id="19" creationId="{174311E2-0EDF-4437-89D6-F63869158EFE}"/>
+          </ac:picMkLst>
+        </pc:picChg>
+      </pc:sldChg>
+      <pc:sldChg chg="addSp delSp modSp add mod">
+        <pc:chgData name="Dane Holmes" userId="9738715a2d075a3d" providerId="LiveId" clId="{69DFE550-9A40-429D-BDD2-7BCF8FC0D09D}" dt="2021-11-29T20:16:36.933" v="834" actId="20577"/>
+        <pc:sldMkLst>
+          <pc:docMk/>
+          <pc:sldMk cId="1488257127" sldId="281"/>
+        </pc:sldMkLst>
+        <pc:spChg chg="mod">
+          <ac:chgData name="Dane Holmes" userId="9738715a2d075a3d" providerId="LiveId" clId="{69DFE550-9A40-429D-BDD2-7BCF8FC0D09D}" dt="2021-11-29T20:16:36.933" v="834" actId="20577"/>
+          <ac:spMkLst>
+            <pc:docMk/>
+            <pc:sldMk cId="1488257127" sldId="281"/>
+            <ac:spMk id="2" creationId="{91F67CBF-1BEA-4F04-AD9A-284770C2CC46}"/>
+          </ac:spMkLst>
+        </pc:spChg>
+        <pc:spChg chg="mod">
+          <ac:chgData name="Dane Holmes" userId="9738715a2d075a3d" providerId="LiveId" clId="{69DFE550-9A40-429D-BDD2-7BCF8FC0D09D}" dt="2021-11-29T20:15:14.354" v="830" actId="1076"/>
+          <ac:spMkLst>
+            <pc:docMk/>
+            <pc:sldMk cId="1488257127" sldId="281"/>
+            <ac:spMk id="5" creationId="{CAF91437-6854-44AC-BAA2-41FE4EF82C8C}"/>
+          </ac:spMkLst>
+        </pc:spChg>
+        <pc:spChg chg="del mod">
+          <ac:chgData name="Dane Holmes" userId="9738715a2d075a3d" providerId="LiveId" clId="{69DFE550-9A40-429D-BDD2-7BCF8FC0D09D}" dt="2021-11-29T20:08:40.715" v="598" actId="478"/>
+          <ac:spMkLst>
+            <pc:docMk/>
+            <pc:sldMk cId="1488257127" sldId="281"/>
+            <ac:spMk id="6" creationId="{5D2CC7D3-460C-488C-A2CB-ACF327705A84}"/>
+          </ac:spMkLst>
+        </pc:spChg>
+        <pc:spChg chg="add mod">
+          <ac:chgData name="Dane Holmes" userId="9738715a2d075a3d" providerId="LiveId" clId="{69DFE550-9A40-429D-BDD2-7BCF8FC0D09D}" dt="2021-11-29T20:08:47.046" v="608" actId="20577"/>
+          <ac:spMkLst>
+            <pc:docMk/>
+            <pc:sldMk cId="1488257127" sldId="281"/>
+            <ac:spMk id="8" creationId="{E8BC6BBF-2D2E-4669-8186-65A660A81894}"/>
+          </ac:spMkLst>
+        </pc:spChg>
+        <pc:picChg chg="add mod">
+          <ac:chgData name="Dane Holmes" userId="9738715a2d075a3d" providerId="LiveId" clId="{69DFE550-9A40-429D-BDD2-7BCF8FC0D09D}" dt="2021-11-29T20:13:57.603" v="762" actId="1076"/>
+          <ac:picMkLst>
+            <pc:docMk/>
+            <pc:sldMk cId="1488257127" sldId="281"/>
+            <ac:picMk id="4" creationId="{4D134981-A364-4A41-A5D6-BC52ECC91088}"/>
+          </ac:picMkLst>
+        </pc:picChg>
+        <pc:picChg chg="add mod">
+          <ac:chgData name="Dane Holmes" userId="9738715a2d075a3d" providerId="LiveId" clId="{69DFE550-9A40-429D-BDD2-7BCF8FC0D09D}" dt="2021-11-29T20:13:46.460" v="759" actId="1076"/>
+          <ac:picMkLst>
+            <pc:docMk/>
+            <pc:sldMk cId="1488257127" sldId="281"/>
+            <ac:picMk id="9" creationId="{16055A6A-7960-4131-A64B-0ED0714BD4FD}"/>
+          </ac:picMkLst>
+        </pc:picChg>
+        <pc:picChg chg="add mod">
+          <ac:chgData name="Dane Holmes" userId="9738715a2d075a3d" providerId="LiveId" clId="{69DFE550-9A40-429D-BDD2-7BCF8FC0D09D}" dt="2021-11-29T20:13:34.664" v="757" actId="1076"/>
+          <ac:picMkLst>
+            <pc:docMk/>
+            <pc:sldMk cId="1488257127" sldId="281"/>
+            <ac:picMk id="11" creationId="{9065FEDD-AA27-43BD-813A-A0A9C040FF72}"/>
+          </ac:picMkLst>
+        </pc:picChg>
+        <pc:picChg chg="del">
+          <ac:chgData name="Dane Holmes" userId="9738715a2d075a3d" providerId="LiveId" clId="{69DFE550-9A40-429D-BDD2-7BCF8FC0D09D}" dt="2021-11-29T20:08:51.139" v="609" actId="478"/>
+          <ac:picMkLst>
+            <pc:docMk/>
+            <pc:sldMk cId="1488257127" sldId="281"/>
+            <ac:picMk id="15" creationId="{92080125-956E-4043-A23C-7AF42AC989A4}"/>
+          </ac:picMkLst>
+        </pc:picChg>
+        <pc:picChg chg="del">
+          <ac:chgData name="Dane Holmes" userId="9738715a2d075a3d" providerId="LiveId" clId="{69DFE550-9A40-429D-BDD2-7BCF8FC0D09D}" dt="2021-11-29T20:08:52.043" v="610" actId="478"/>
+          <ac:picMkLst>
+            <pc:docMk/>
+            <pc:sldMk cId="1488257127" sldId="281"/>
+            <ac:picMk id="17" creationId="{B193208F-DA50-4B63-84A4-EF5EC5396824}"/>
+          </ac:picMkLst>
+        </pc:picChg>
+        <pc:picChg chg="del">
+          <ac:chgData name="Dane Holmes" userId="9738715a2d075a3d" providerId="LiveId" clId="{69DFE550-9A40-429D-BDD2-7BCF8FC0D09D}" dt="2021-11-29T20:08:52.739" v="611" actId="478"/>
+          <ac:picMkLst>
+            <pc:docMk/>
+            <pc:sldMk cId="1488257127" sldId="281"/>
+            <ac:picMk id="19" creationId="{174311E2-0EDF-4437-89D6-F63869158EFE}"/>
+          </ac:picMkLst>
+        </pc:picChg>
+      </pc:sldChg>
+      <pc:sldChg chg="addSp delSp modSp add mod">
+        <pc:chgData name="Dane Holmes" userId="9738715a2d075a3d" providerId="LiveId" clId="{69DFE550-9A40-429D-BDD2-7BCF8FC0D09D}" dt="2021-11-29T20:30:54.635" v="1020" actId="14100"/>
+        <pc:sldMkLst>
+          <pc:docMk/>
+          <pc:sldMk cId="769035695" sldId="282"/>
+        </pc:sldMkLst>
+        <pc:spChg chg="add mod">
+          <ac:chgData name="Dane Holmes" userId="9738715a2d075a3d" providerId="LiveId" clId="{69DFE550-9A40-429D-BDD2-7BCF8FC0D09D}" dt="2021-11-29T20:28:39.576" v="998" actId="14100"/>
+          <ac:spMkLst>
+            <pc:docMk/>
+            <pc:sldMk cId="769035695" sldId="282"/>
+            <ac:spMk id="7" creationId="{49F96630-C1B2-416E-B9BA-9936198DE0FE}"/>
+          </ac:spMkLst>
+        </pc:spChg>
+        <pc:spChg chg="add mod">
+          <ac:chgData name="Dane Holmes" userId="9738715a2d075a3d" providerId="LiveId" clId="{69DFE550-9A40-429D-BDD2-7BCF8FC0D09D}" dt="2021-11-29T20:25:10.688" v="885"/>
+          <ac:spMkLst>
+            <pc:docMk/>
+            <pc:sldMk cId="769035695" sldId="282"/>
+            <ac:spMk id="9" creationId="{E4CBF086-317B-4405-A7FA-4CA5303CD8AF}"/>
+          </ac:spMkLst>
+        </pc:spChg>
+        <pc:picChg chg="add mod">
+          <ac:chgData name="Dane Holmes" userId="9738715a2d075a3d" providerId="LiveId" clId="{69DFE550-9A40-429D-BDD2-7BCF8FC0D09D}" dt="2021-11-29T20:25:21.716" v="887" actId="1076"/>
+          <ac:picMkLst>
+            <pc:docMk/>
+            <pc:sldMk cId="769035695" sldId="282"/>
+            <ac:picMk id="4" creationId="{A4163605-BEAD-47B3-B223-29ACB3B7F8F7}"/>
+          </ac:picMkLst>
+        </pc:picChg>
+        <pc:picChg chg="add mod">
+          <ac:chgData name="Dane Holmes" userId="9738715a2d075a3d" providerId="LiveId" clId="{69DFE550-9A40-429D-BDD2-7BCF8FC0D09D}" dt="2021-11-29T20:25:39.827" v="889" actId="1076"/>
+          <ac:picMkLst>
+            <pc:docMk/>
+            <pc:sldMk cId="769035695" sldId="282"/>
+            <ac:picMk id="6" creationId="{68624B86-3BBC-4598-93B5-9EF824412249}"/>
+          </ac:picMkLst>
+        </pc:picChg>
+        <pc:picChg chg="del">
+          <ac:chgData name="Dane Holmes" userId="9738715a2d075a3d" providerId="LiveId" clId="{69DFE550-9A40-429D-BDD2-7BCF8FC0D09D}" dt="2021-11-29T20:25:05.163" v="884" actId="478"/>
+          <ac:picMkLst>
+            <pc:docMk/>
+            <pc:sldMk cId="769035695" sldId="282"/>
+            <ac:picMk id="8" creationId="{539C6038-3D6C-40FB-9351-97D05C3B98E7}"/>
+          </ac:picMkLst>
+        </pc:picChg>
+        <pc:picChg chg="del">
+          <ac:chgData name="Dane Holmes" userId="9738715a2d075a3d" providerId="LiveId" clId="{69DFE550-9A40-429D-BDD2-7BCF8FC0D09D}" dt="2021-11-29T20:25:02.989" v="880" actId="478"/>
+          <ac:picMkLst>
+            <pc:docMk/>
+            <pc:sldMk cId="769035695" sldId="282"/>
+            <ac:picMk id="10" creationId="{4CF3F687-9BC2-401D-B474-4F8A8D781E78}"/>
+          </ac:picMkLst>
+        </pc:picChg>
+        <pc:picChg chg="del">
+          <ac:chgData name="Dane Holmes" userId="9738715a2d075a3d" providerId="LiveId" clId="{69DFE550-9A40-429D-BDD2-7BCF8FC0D09D}" dt="2021-11-29T20:25:04.243" v="882" actId="478"/>
+          <ac:picMkLst>
+            <pc:docMk/>
+            <pc:sldMk cId="769035695" sldId="282"/>
+            <ac:picMk id="12" creationId="{B2AC56E9-EF0D-4D64-9532-8E3024E99A25}"/>
+          </ac:picMkLst>
+        </pc:picChg>
+        <pc:picChg chg="add mod">
+          <ac:chgData name="Dane Holmes" userId="9738715a2d075a3d" providerId="LiveId" clId="{69DFE550-9A40-429D-BDD2-7BCF8FC0D09D}" dt="2021-11-29T20:30:43.715" v="1016" actId="14100"/>
+          <ac:picMkLst>
+            <pc:docMk/>
+            <pc:sldMk cId="769035695" sldId="282"/>
+            <ac:picMk id="13" creationId="{C5D3AAEB-E1E2-4BD7-A53E-D371FE0A5082}"/>
+          </ac:picMkLst>
+        </pc:picChg>
+        <pc:picChg chg="del">
+          <ac:chgData name="Dane Holmes" userId="9738715a2d075a3d" providerId="LiveId" clId="{69DFE550-9A40-429D-BDD2-7BCF8FC0D09D}" dt="2021-11-29T20:25:03.555" v="881" actId="478"/>
+          <ac:picMkLst>
+            <pc:docMk/>
+            <pc:sldMk cId="769035695" sldId="282"/>
+            <ac:picMk id="14" creationId="{4721B26E-AB64-4097-BF38-AE3E36DAFFEC}"/>
+          </ac:picMkLst>
+        </pc:picChg>
+        <pc:picChg chg="del">
+          <ac:chgData name="Dane Holmes" userId="9738715a2d075a3d" providerId="LiveId" clId="{69DFE550-9A40-429D-BDD2-7BCF8FC0D09D}" dt="2021-11-29T20:25:04.706" v="883" actId="478"/>
+          <ac:picMkLst>
+            <pc:docMk/>
+            <pc:sldMk cId="769035695" sldId="282"/>
+            <ac:picMk id="16" creationId="{8F68BE53-1DA6-4728-A46F-44AF0FE3E137}"/>
+          </ac:picMkLst>
+        </pc:picChg>
+        <pc:picChg chg="add mod">
+          <ac:chgData name="Dane Holmes" userId="9738715a2d075a3d" providerId="LiveId" clId="{69DFE550-9A40-429D-BDD2-7BCF8FC0D09D}" dt="2021-11-29T20:30:48.276" v="1018" actId="1076"/>
+          <ac:picMkLst>
+            <pc:docMk/>
+            <pc:sldMk cId="769035695" sldId="282"/>
+            <ac:picMk id="17" creationId="{B3E62E6B-5B2C-4431-A936-8713A139C2FA}"/>
+          </ac:picMkLst>
+        </pc:picChg>
+        <pc:picChg chg="add mod">
+          <ac:chgData name="Dane Holmes" userId="9738715a2d075a3d" providerId="LiveId" clId="{69DFE550-9A40-429D-BDD2-7BCF8FC0D09D}" dt="2021-11-29T20:30:54.635" v="1020" actId="14100"/>
+          <ac:picMkLst>
+            <pc:docMk/>
+            <pc:sldMk cId="769035695" sldId="282"/>
+            <ac:picMk id="19" creationId="{77618356-B08C-4339-85A9-2FEAE62E2DFD}"/>
+          </ac:picMkLst>
+        </pc:picChg>
+      </pc:sldChg>
+      <pc:sldChg chg="addSp delSp modSp add mod">
+        <pc:chgData name="Dane Holmes" userId="9738715a2d075a3d" providerId="LiveId" clId="{69DFE550-9A40-429D-BDD2-7BCF8FC0D09D}" dt="2021-11-29T20:33:28.992" v="1029" actId="1076"/>
+        <pc:sldMkLst>
+          <pc:docMk/>
+          <pc:sldMk cId="1678976110" sldId="283"/>
+        </pc:sldMkLst>
+        <pc:spChg chg="del mod">
+          <ac:chgData name="Dane Holmes" userId="9738715a2d075a3d" providerId="LiveId" clId="{69DFE550-9A40-429D-BDD2-7BCF8FC0D09D}" dt="2021-11-29T20:29:07.853" v="1005" actId="478"/>
+          <ac:spMkLst>
+            <pc:docMk/>
+            <pc:sldMk cId="1678976110" sldId="283"/>
+            <ac:spMk id="7" creationId="{49F96630-C1B2-416E-B9BA-9936198DE0FE}"/>
+          </ac:spMkLst>
+        </pc:spChg>
+        <pc:picChg chg="del">
+          <ac:chgData name="Dane Holmes" userId="9738715a2d075a3d" providerId="LiveId" clId="{69DFE550-9A40-429D-BDD2-7BCF8FC0D09D}" dt="2021-11-29T20:29:05.683" v="1002" actId="478"/>
+          <ac:picMkLst>
+            <pc:docMk/>
+            <pc:sldMk cId="1678976110" sldId="283"/>
+            <ac:picMk id="4" creationId="{A4163605-BEAD-47B3-B223-29ACB3B7F8F7}"/>
+          </ac:picMkLst>
+        </pc:picChg>
+        <pc:picChg chg="add mod">
+          <ac:chgData name="Dane Holmes" userId="9738715a2d075a3d" providerId="LiveId" clId="{69DFE550-9A40-429D-BDD2-7BCF8FC0D09D}" dt="2021-11-29T20:31:33.879" v="1023" actId="1076"/>
+          <ac:picMkLst>
+            <pc:docMk/>
+            <pc:sldMk cId="1678976110" sldId="283"/>
+            <ac:picMk id="5" creationId="{C6FEDC2C-1A32-4AF3-AE49-36E0DE1AE1D3}"/>
+          </ac:picMkLst>
+        </pc:picChg>
+        <pc:picChg chg="del">
+          <ac:chgData name="Dane Holmes" userId="9738715a2d075a3d" providerId="LiveId" clId="{69DFE550-9A40-429D-BDD2-7BCF8FC0D09D}" dt="2021-11-29T20:29:05.203" v="1001" actId="478"/>
+          <ac:picMkLst>
+            <pc:docMk/>
+            <pc:sldMk cId="1678976110" sldId="283"/>
+            <ac:picMk id="6" creationId="{68624B86-3BBC-4598-93B5-9EF824412249}"/>
+          </ac:picMkLst>
+        </pc:picChg>
+        <pc:picChg chg="add mod">
+          <ac:chgData name="Dane Holmes" userId="9738715a2d075a3d" providerId="LiveId" clId="{69DFE550-9A40-429D-BDD2-7BCF8FC0D09D}" dt="2021-11-29T20:32:29.563" v="1025" actId="1076"/>
+          <ac:picMkLst>
+            <pc:docMk/>
+            <pc:sldMk cId="1678976110" sldId="283"/>
+            <ac:picMk id="10" creationId="{D1750B0E-7E5F-4081-BE40-A3C7F44F0BFB}"/>
+          </ac:picMkLst>
+        </pc:picChg>
+        <pc:picChg chg="add mod">
+          <ac:chgData name="Dane Holmes" userId="9738715a2d075a3d" providerId="LiveId" clId="{69DFE550-9A40-429D-BDD2-7BCF8FC0D09D}" dt="2021-11-29T20:33:28.992" v="1029" actId="1076"/>
+          <ac:picMkLst>
+            <pc:docMk/>
+            <pc:sldMk cId="1678976110" sldId="283"/>
+            <ac:picMk id="12" creationId="{43EA1767-B0E3-47BB-81DA-6AEC03A37EED}"/>
+          </ac:picMkLst>
+        </pc:picChg>
+        <pc:picChg chg="del">
+          <ac:chgData name="Dane Holmes" userId="9738715a2d075a3d" providerId="LiveId" clId="{69DFE550-9A40-429D-BDD2-7BCF8FC0D09D}" dt="2021-11-29T20:29:06.115" v="1003" actId="478"/>
+          <ac:picMkLst>
+            <pc:docMk/>
+            <pc:sldMk cId="1678976110" sldId="283"/>
+            <ac:picMk id="13" creationId="{C5D3AAEB-E1E2-4BD7-A53E-D371FE0A5082}"/>
+          </ac:picMkLst>
+        </pc:picChg>
+      </pc:sldChg>
+      <pc:sldChg chg="addSp delSp modSp add mod">
+        <pc:chgData name="Dane Holmes" userId="9738715a2d075a3d" providerId="LiveId" clId="{69DFE550-9A40-429D-BDD2-7BCF8FC0D09D}" dt="2021-11-29T21:50:59.501" v="1281" actId="1076"/>
+        <pc:sldMkLst>
+          <pc:docMk/>
+          <pc:sldMk cId="4262548304" sldId="284"/>
+        </pc:sldMkLst>
+        <pc:spChg chg="add mod">
+          <ac:chgData name="Dane Holmes" userId="9738715a2d075a3d" providerId="LiveId" clId="{69DFE550-9A40-429D-BDD2-7BCF8FC0D09D}" dt="2021-11-29T21:50:59.501" v="1281" actId="1076"/>
+          <ac:spMkLst>
+            <pc:docMk/>
+            <pc:sldMk cId="4262548304" sldId="284"/>
+            <ac:spMk id="13" creationId="{35702077-53A9-4AEE-83A0-BFF06D9276C2}"/>
+          </ac:spMkLst>
+        </pc:spChg>
+        <pc:picChg chg="add mod">
+          <ac:chgData name="Dane Holmes" userId="9738715a2d075a3d" providerId="LiveId" clId="{69DFE550-9A40-429D-BDD2-7BCF8FC0D09D}" dt="2021-11-29T20:50:14.040" v="1063" actId="14100"/>
+          <ac:picMkLst>
+            <pc:docMk/>
+            <pc:sldMk cId="4262548304" sldId="284"/>
+            <ac:picMk id="4" creationId="{CD727056-9AFE-4659-A252-280C2F5ED02F}"/>
+          </ac:picMkLst>
+        </pc:picChg>
+        <pc:picChg chg="del">
+          <ac:chgData name="Dane Holmes" userId="9738715a2d075a3d" providerId="LiveId" clId="{69DFE550-9A40-429D-BDD2-7BCF8FC0D09D}" dt="2021-11-29T20:49:34.139" v="1055" actId="478"/>
+          <ac:picMkLst>
+            <pc:docMk/>
+            <pc:sldMk cId="4262548304" sldId="284"/>
+            <ac:picMk id="5" creationId="{C6FEDC2C-1A32-4AF3-AE49-36E0DE1AE1D3}"/>
+          </ac:picMkLst>
+        </pc:picChg>
+        <pc:picChg chg="add mod">
+          <ac:chgData name="Dane Holmes" userId="9738715a2d075a3d" providerId="LiveId" clId="{69DFE550-9A40-429D-BDD2-7BCF8FC0D09D}" dt="2021-11-29T20:51:00.971" v="1084" actId="1036"/>
+          <ac:picMkLst>
+            <pc:docMk/>
+            <pc:sldMk cId="4262548304" sldId="284"/>
+            <ac:picMk id="7" creationId="{32B347E7-5001-4680-96B0-8EC167221950}"/>
+          </ac:picMkLst>
+        </pc:picChg>
+        <pc:picChg chg="del">
+          <ac:chgData name="Dane Holmes" userId="9738715a2d075a3d" providerId="LiveId" clId="{69DFE550-9A40-429D-BDD2-7BCF8FC0D09D}" dt="2021-11-29T20:49:35.413" v="1057" actId="478"/>
+          <ac:picMkLst>
+            <pc:docMk/>
+            <pc:sldMk cId="4262548304" sldId="284"/>
+            <ac:picMk id="10" creationId="{D1750B0E-7E5F-4081-BE40-A3C7F44F0BFB}"/>
+          </ac:picMkLst>
+        </pc:picChg>
+        <pc:picChg chg="add mod">
+          <ac:chgData name="Dane Holmes" userId="9738715a2d075a3d" providerId="LiveId" clId="{69DFE550-9A40-429D-BDD2-7BCF8FC0D09D}" dt="2021-11-29T21:48:53.220" v="1087" actId="1076"/>
+          <ac:picMkLst>
+            <pc:docMk/>
+            <pc:sldMk cId="4262548304" sldId="284"/>
+            <ac:picMk id="11" creationId="{99DC45D9-FB9C-4E11-A054-4AF4E0E79DFF}"/>
+          </ac:picMkLst>
+        </pc:picChg>
+        <pc:picChg chg="del">
+          <ac:chgData name="Dane Holmes" userId="9738715a2d075a3d" providerId="LiveId" clId="{69DFE550-9A40-429D-BDD2-7BCF8FC0D09D}" dt="2021-11-29T20:49:35.034" v="1056" actId="478"/>
+          <ac:picMkLst>
+            <pc:docMk/>
+            <pc:sldMk cId="4262548304" sldId="284"/>
+            <ac:picMk id="12" creationId="{43EA1767-B0E3-47BB-81DA-6AEC03A37EED}"/>
+          </ac:picMkLst>
+        </pc:picChg>
+      </pc:sldChg>
+      <pc:sldChg chg="addSp delSp modSp add mod">
+        <pc:chgData name="Dane Holmes" userId="9738715a2d075a3d" providerId="LiveId" clId="{69DFE550-9A40-429D-BDD2-7BCF8FC0D09D}" dt="2021-11-29T21:52:21.013" v="1300" actId="1037"/>
+        <pc:sldMkLst>
+          <pc:docMk/>
+          <pc:sldMk cId="572578412" sldId="285"/>
+        </pc:sldMkLst>
+        <pc:spChg chg="del">
+          <ac:chgData name="Dane Holmes" userId="9738715a2d075a3d" providerId="LiveId" clId="{69DFE550-9A40-429D-BDD2-7BCF8FC0D09D}" dt="2021-11-29T21:51:19.396" v="1286" actId="478"/>
+          <ac:spMkLst>
+            <pc:docMk/>
+            <pc:sldMk cId="572578412" sldId="285"/>
+            <ac:spMk id="13" creationId="{35702077-53A9-4AEE-83A0-BFF06D9276C2}"/>
+          </ac:spMkLst>
+        </pc:spChg>
+        <pc:picChg chg="del">
+          <ac:chgData name="Dane Holmes" userId="9738715a2d075a3d" providerId="LiveId" clId="{69DFE550-9A40-429D-BDD2-7BCF8FC0D09D}" dt="2021-11-29T21:51:16.577" v="1283" actId="478"/>
+          <ac:picMkLst>
+            <pc:docMk/>
+            <pc:sldMk cId="572578412" sldId="285"/>
+            <ac:picMk id="4" creationId="{CD727056-9AFE-4659-A252-280C2F5ED02F}"/>
+          </ac:picMkLst>
+        </pc:picChg>
+        <pc:picChg chg="add mod">
+          <ac:chgData name="Dane Holmes" userId="9738715a2d075a3d" providerId="LiveId" clId="{69DFE550-9A40-429D-BDD2-7BCF8FC0D09D}" dt="2021-11-29T21:51:48.111" v="1289" actId="14100"/>
+          <ac:picMkLst>
+            <pc:docMk/>
+            <pc:sldMk cId="572578412" sldId="285"/>
+            <ac:picMk id="5" creationId="{48EBF07B-CCB1-4B65-917C-6966F71549AE}"/>
+          </ac:picMkLst>
+        </pc:picChg>
+        <pc:picChg chg="del">
+          <ac:chgData name="Dane Holmes" userId="9738715a2d075a3d" providerId="LiveId" clId="{69DFE550-9A40-429D-BDD2-7BCF8FC0D09D}" dt="2021-11-29T21:51:17.448" v="1284" actId="478"/>
+          <ac:picMkLst>
+            <pc:docMk/>
+            <pc:sldMk cId="572578412" sldId="285"/>
+            <ac:picMk id="7" creationId="{32B347E7-5001-4680-96B0-8EC167221950}"/>
+          </ac:picMkLst>
+        </pc:picChg>
+        <pc:picChg chg="add mod">
+          <ac:chgData name="Dane Holmes" userId="9738715a2d075a3d" providerId="LiveId" clId="{69DFE550-9A40-429D-BDD2-7BCF8FC0D09D}" dt="2021-11-29T21:52:21.013" v="1300" actId="1037"/>
+          <ac:picMkLst>
+            <pc:docMk/>
+            <pc:sldMk cId="572578412" sldId="285"/>
+            <ac:picMk id="8" creationId="{F32C3E1E-446F-48E8-8AF6-268F47FCEB5B}"/>
+          </ac:picMkLst>
+        </pc:picChg>
+        <pc:picChg chg="del">
+          <ac:chgData name="Dane Holmes" userId="9738715a2d075a3d" providerId="LiveId" clId="{69DFE550-9A40-429D-BDD2-7BCF8FC0D09D}" dt="2021-11-29T21:51:17.984" v="1285" actId="478"/>
+          <ac:picMkLst>
+            <pc:docMk/>
+            <pc:sldMk cId="572578412" sldId="285"/>
+            <ac:picMk id="11" creationId="{99DC45D9-FB9C-4E11-A054-4AF4E0E79DFF}"/>
+          </ac:picMkLst>
+        </pc:picChg>
+      </pc:sldChg>
+    </pc:docChg>
+  </pc:docChgLst>
+  <pc:docChgLst>
     <pc:chgData name="Dane Holmes" userId="9738715a2d075a3d" providerId="LiveId" clId="{CC7EDF11-40B3-4A65-BB99-A7A33A063852}"/>
     <pc:docChg chg="undo custSel addSld delSld modSld">
       <pc:chgData name="Dane Holmes" userId="9738715a2d075a3d" providerId="LiveId" clId="{CC7EDF11-40B3-4A65-BB99-A7A33A063852}" dt="2021-11-23T00:47:32.365" v="4720" actId="33524"/>
@@ -1842,7 +3279,7 @@
           <a:p>
             <a:fld id="{6A4B53A7-3209-46A6-9454-F38EAC8F11E7}" type="datetimeFigureOut">
               <a:rPr lang="en-US" smtClean="0"/>
-              <a:t>11/27/2021</a:t>
+              <a:t>11/29/2021</a:t>
             </a:fld>
             <a:endParaRPr lang="en-US"/>
           </a:p>
@@ -2093,7 +3530,7 @@
           <a:p>
             <a:fld id="{6A4B53A7-3209-46A6-9454-F38EAC8F11E7}" type="datetimeFigureOut">
               <a:rPr lang="en-US" smtClean="0"/>
-              <a:t>11/27/2021</a:t>
+              <a:t>11/29/2021</a:t>
             </a:fld>
             <a:endParaRPr lang="en-US"/>
           </a:p>
@@ -2354,7 +3791,7 @@
           <a:p>
             <a:fld id="{6A4B53A7-3209-46A6-9454-F38EAC8F11E7}" type="datetimeFigureOut">
               <a:rPr lang="en-US" smtClean="0"/>
-              <a:t>11/27/2021</a:t>
+              <a:t>11/29/2021</a:t>
             </a:fld>
             <a:endParaRPr lang="en-US"/>
           </a:p>
@@ -2605,7 +4042,7 @@
           <a:p>
             <a:fld id="{6A4B53A7-3209-46A6-9454-F38EAC8F11E7}" type="datetimeFigureOut">
               <a:rPr lang="en-US" smtClean="0"/>
-              <a:t>11/27/2021</a:t>
+              <a:t>11/29/2021</a:t>
             </a:fld>
             <a:endParaRPr lang="en-US"/>
           </a:p>
@@ -2933,7 +4370,7 @@
           <a:p>
             <a:fld id="{6A4B53A7-3209-46A6-9454-F38EAC8F11E7}" type="datetimeFigureOut">
               <a:rPr lang="en-US" smtClean="0"/>
-              <a:t>11/27/2021</a:t>
+              <a:t>11/29/2021</a:t>
             </a:fld>
             <a:endParaRPr lang="en-US"/>
           </a:p>
@@ -3251,7 +4688,7 @@
           <a:p>
             <a:fld id="{6A4B53A7-3209-46A6-9454-F38EAC8F11E7}" type="datetimeFigureOut">
               <a:rPr lang="en-US" smtClean="0"/>
-              <a:t>11/27/2021</a:t>
+              <a:t>11/29/2021</a:t>
             </a:fld>
             <a:endParaRPr lang="en-US"/>
           </a:p>
@@ -3716,7 +5153,7 @@
           <a:p>
             <a:fld id="{6A4B53A7-3209-46A6-9454-F38EAC8F11E7}" type="datetimeFigureOut">
               <a:rPr lang="en-US" smtClean="0"/>
-              <a:t>11/27/2021</a:t>
+              <a:t>11/29/2021</a:t>
             </a:fld>
             <a:endParaRPr lang="en-US"/>
           </a:p>
@@ -3910,7 +5347,7 @@
           <a:p>
             <a:fld id="{6A4B53A7-3209-46A6-9454-F38EAC8F11E7}" type="datetimeFigureOut">
               <a:rPr lang="en-US" smtClean="0"/>
-              <a:t>11/27/2021</a:t>
+              <a:t>11/29/2021</a:t>
             </a:fld>
             <a:endParaRPr lang="en-US"/>
           </a:p>
@@ -4076,7 +5513,7 @@
           <a:p>
             <a:fld id="{6A4B53A7-3209-46A6-9454-F38EAC8F11E7}" type="datetimeFigureOut">
               <a:rPr lang="en-US" smtClean="0"/>
-              <a:t>11/27/2021</a:t>
+              <a:t>11/29/2021</a:t>
             </a:fld>
             <a:endParaRPr lang="en-US"/>
           </a:p>
@@ -4440,7 +5877,7 @@
           <a:p>
             <a:fld id="{6A4B53A7-3209-46A6-9454-F38EAC8F11E7}" type="datetimeFigureOut">
               <a:rPr lang="en-US" smtClean="0"/>
-              <a:t>11/27/2021</a:t>
+              <a:t>11/29/2021</a:t>
             </a:fld>
             <a:endParaRPr lang="en-US"/>
           </a:p>
@@ -4784,7 +6221,7 @@
           <a:p>
             <a:fld id="{6A4B53A7-3209-46A6-9454-F38EAC8F11E7}" type="datetimeFigureOut">
               <a:rPr lang="en-US" smtClean="0"/>
-              <a:t>11/27/2021</a:t>
+              <a:t>11/29/2021</a:t>
             </a:fld>
             <a:endParaRPr lang="en-US"/>
           </a:p>
@@ -5079,7 +6516,7 @@
             <a:fld id="{6A4B53A7-3209-46A6-9454-F38EAC8F11E7}" type="datetimeFigureOut">
               <a:rPr lang="en-US" smtClean="0"/>
               <a:pPr/>
-              <a:t>11/27/2021</a:t>
+              <a:t>11/29/2021</a:t>
             </a:fld>
             <a:endParaRPr lang="en-US" dirty="0"/>
           </a:p>
@@ -6471,6 +7908,559 @@
 </p:sld>
 </file>
 
+<file path=ppt/slides/slide10.xml><?xml version="1.0" encoding="utf-8"?>
+<p:sld xmlns:a="http://schemas.openxmlformats.org/drawingml/2006/main" xmlns:r="http://schemas.openxmlformats.org/officeDocument/2006/relationships" xmlns:p="http://schemas.openxmlformats.org/presentationml/2006/main">
+  <p:cSld>
+    <p:spTree>
+      <p:nvGrpSpPr>
+        <p:cNvPr id="1" name=""/>
+        <p:cNvGrpSpPr/>
+        <p:nvPr/>
+      </p:nvGrpSpPr>
+      <p:grpSpPr>
+        <a:xfrm>
+          <a:off x="0" y="0"/>
+          <a:ext cx="0" cy="0"/>
+          <a:chOff x="0" y="0"/>
+          <a:chExt cx="0" cy="0"/>
+        </a:xfrm>
+      </p:grpSpPr>
+      <p:sp>
+        <p:nvSpPr>
+          <p:cNvPr id="2" name="Title 1">
+            <a:extLst>
+              <a:ext uri="{FF2B5EF4-FFF2-40B4-BE49-F238E27FC236}">
+                <a16:creationId xmlns:a16="http://schemas.microsoft.com/office/drawing/2014/main" id="{91F67CBF-1BEA-4F04-AD9A-284770C2CC46}"/>
+              </a:ext>
+            </a:extLst>
+          </p:cNvPr>
+          <p:cNvSpPr>
+            <a:spLocks noGrp="1"/>
+          </p:cNvSpPr>
+          <p:nvPr>
+            <p:ph type="title"/>
+          </p:nvPr>
+        </p:nvSpPr>
+        <p:spPr/>
+        <p:txBody>
+          <a:bodyPr/>
+          <a:lstStyle/>
+          <a:p>
+            <a:r>
+              <a:rPr lang="en-US" dirty="0"/>
+              <a:t>3. Baby Names</a:t>
+            </a:r>
+          </a:p>
+        </p:txBody>
+      </p:sp>
+      <p:sp>
+        <p:nvSpPr>
+          <p:cNvPr id="9" name="Title 1">
+            <a:extLst>
+              <a:ext uri="{FF2B5EF4-FFF2-40B4-BE49-F238E27FC236}">
+                <a16:creationId xmlns:a16="http://schemas.microsoft.com/office/drawing/2014/main" id="{E4CBF086-317B-4405-A7FA-4CA5303CD8AF}"/>
+              </a:ext>
+            </a:extLst>
+          </p:cNvPr>
+          <p:cNvSpPr txBox="1">
+            <a:spLocks/>
+          </p:cNvSpPr>
+          <p:nvPr/>
+        </p:nvSpPr>
+        <p:spPr>
+          <a:xfrm>
+            <a:off x="1630096" y="1299216"/>
+            <a:ext cx="10515600" cy="302478"/>
+          </a:xfrm>
+          <a:prstGeom prst="rect">
+            <a:avLst/>
+          </a:prstGeom>
+        </p:spPr>
+        <p:txBody>
+          <a:bodyPr vert="horz" lIns="91440" tIns="45720" rIns="91440" bIns="45720" rtlCol="0" anchor="ctr">
+            <a:normAutofit fontScale="92500" lnSpcReduction="20000"/>
+          </a:bodyPr>
+          <a:lstStyle>
+            <a:lvl1pPr algn="l" defTabSz="914400" rtl="0" eaLnBrk="1" latinLnBrk="0" hangingPunct="1">
+              <a:lnSpc>
+                <a:spcPct val="90000"/>
+              </a:lnSpc>
+              <a:spcBef>
+                <a:spcPct val="0"/>
+              </a:spcBef>
+              <a:buNone/>
+              <a:defRPr sz="4400" kern="1200">
+                <a:solidFill>
+                  <a:schemeClr val="tx1"/>
+                </a:solidFill>
+                <a:latin typeface="+mj-lt"/>
+                <a:ea typeface="+mj-ea"/>
+                <a:cs typeface="+mj-cs"/>
+              </a:defRPr>
+            </a:lvl1pPr>
+          </a:lstStyle>
+          <a:p>
+            <a:r>
+              <a:rPr lang="en-US" sz="2000" dirty="0"/>
+              <a:t>cont.</a:t>
+            </a:r>
+          </a:p>
+        </p:txBody>
+      </p:sp>
+      <p:pic>
+        <p:nvPicPr>
+          <p:cNvPr id="4" name="Picture 3">
+            <a:extLst>
+              <a:ext uri="{FF2B5EF4-FFF2-40B4-BE49-F238E27FC236}">
+                <a16:creationId xmlns:a16="http://schemas.microsoft.com/office/drawing/2014/main" id="{CD727056-9AFE-4659-A252-280C2F5ED02F}"/>
+              </a:ext>
+            </a:extLst>
+          </p:cNvPr>
+          <p:cNvPicPr>
+            <a:picLocks noChangeAspect="1"/>
+          </p:cNvPicPr>
+          <p:nvPr/>
+        </p:nvPicPr>
+        <p:blipFill>
+          <a:blip r:embed="rId2"/>
+          <a:stretch>
+            <a:fillRect/>
+          </a:stretch>
+        </p:blipFill>
+        <p:spPr>
+          <a:xfrm>
+            <a:off x="1178859" y="1601694"/>
+            <a:ext cx="3715870" cy="3192614"/>
+          </a:xfrm>
+          <a:prstGeom prst="rect">
+            <a:avLst/>
+          </a:prstGeom>
+        </p:spPr>
+      </p:pic>
+      <p:pic>
+        <p:nvPicPr>
+          <p:cNvPr id="7" name="Picture 6">
+            <a:extLst>
+              <a:ext uri="{FF2B5EF4-FFF2-40B4-BE49-F238E27FC236}">
+                <a16:creationId xmlns:a16="http://schemas.microsoft.com/office/drawing/2014/main" id="{32B347E7-5001-4680-96B0-8EC167221950}"/>
+              </a:ext>
+            </a:extLst>
+          </p:cNvPr>
+          <p:cNvPicPr>
+            <a:picLocks noChangeAspect="1"/>
+          </p:cNvPicPr>
+          <p:nvPr/>
+        </p:nvPicPr>
+        <p:blipFill>
+          <a:blip r:embed="rId3"/>
+          <a:stretch>
+            <a:fillRect/>
+          </a:stretch>
+        </p:blipFill>
+        <p:spPr>
+          <a:xfrm>
+            <a:off x="838200" y="4927457"/>
+            <a:ext cx="4056529" cy="1499840"/>
+          </a:xfrm>
+          <a:prstGeom prst="rect">
+            <a:avLst/>
+          </a:prstGeom>
+        </p:spPr>
+      </p:pic>
+      <p:pic>
+        <p:nvPicPr>
+          <p:cNvPr id="11" name="Picture 10">
+            <a:extLst>
+              <a:ext uri="{FF2B5EF4-FFF2-40B4-BE49-F238E27FC236}">
+                <a16:creationId xmlns:a16="http://schemas.microsoft.com/office/drawing/2014/main" id="{99DC45D9-FB9C-4E11-A054-4AF4E0E79DFF}"/>
+              </a:ext>
+            </a:extLst>
+          </p:cNvPr>
+          <p:cNvPicPr>
+            <a:picLocks noChangeAspect="1"/>
+          </p:cNvPicPr>
+          <p:nvPr/>
+        </p:nvPicPr>
+        <p:blipFill>
+          <a:blip r:embed="rId4"/>
+          <a:stretch>
+            <a:fillRect/>
+          </a:stretch>
+        </p:blipFill>
+        <p:spPr>
+          <a:xfrm>
+            <a:off x="5235388" y="1601694"/>
+            <a:ext cx="6666925" cy="3807823"/>
+          </a:xfrm>
+          <a:prstGeom prst="rect">
+            <a:avLst/>
+          </a:prstGeom>
+        </p:spPr>
+      </p:pic>
+      <p:sp>
+        <p:nvSpPr>
+          <p:cNvPr id="13" name="TextBox 12">
+            <a:extLst>
+              <a:ext uri="{FF2B5EF4-FFF2-40B4-BE49-F238E27FC236}">
+                <a16:creationId xmlns:a16="http://schemas.microsoft.com/office/drawing/2014/main" id="{35702077-53A9-4AEE-83A0-BFF06D9276C2}"/>
+              </a:ext>
+            </a:extLst>
+          </p:cNvPr>
+          <p:cNvSpPr txBox="1"/>
+          <p:nvPr/>
+        </p:nvSpPr>
+        <p:spPr>
+          <a:xfrm>
+            <a:off x="5349240" y="5558784"/>
+            <a:ext cx="6263640" cy="1200329"/>
+          </a:xfrm>
+          <a:prstGeom prst="rect">
+            <a:avLst/>
+          </a:prstGeom>
+          <a:noFill/>
+        </p:spPr>
+        <p:txBody>
+          <a:bodyPr wrap="square" rtlCol="0">
+            <a:spAutoFit/>
+          </a:bodyPr>
+          <a:lstStyle/>
+          <a:p>
+            <a:r>
+              <a:rPr lang="en-US" dirty="0"/>
+              <a:t>These are the top gender-neutral names defined by being in the 95% percentile for Male and Female and ranked by the absolute value total difference between occurrences.</a:t>
+            </a:r>
+          </a:p>
+        </p:txBody>
+      </p:sp>
+    </p:spTree>
+    <p:extLst>
+      <p:ext uri="{BB962C8B-B14F-4D97-AF65-F5344CB8AC3E}">
+        <p14:creationId xmlns:p14="http://schemas.microsoft.com/office/powerpoint/2010/main" val="4262548304"/>
+      </p:ext>
+    </p:extLst>
+  </p:cSld>
+  <p:clrMapOvr>
+    <a:masterClrMapping/>
+  </p:clrMapOvr>
+</p:sld>
+</file>
+
+<file path=ppt/slides/slide11.xml><?xml version="1.0" encoding="utf-8"?>
+<p:sld xmlns:a="http://schemas.openxmlformats.org/drawingml/2006/main" xmlns:r="http://schemas.openxmlformats.org/officeDocument/2006/relationships" xmlns:p="http://schemas.openxmlformats.org/presentationml/2006/main">
+  <p:cSld>
+    <p:spTree>
+      <p:nvGrpSpPr>
+        <p:cNvPr id="1" name=""/>
+        <p:cNvGrpSpPr/>
+        <p:nvPr/>
+      </p:nvGrpSpPr>
+      <p:grpSpPr>
+        <a:xfrm>
+          <a:off x="0" y="0"/>
+          <a:ext cx="0" cy="0"/>
+          <a:chOff x="0" y="0"/>
+          <a:chExt cx="0" cy="0"/>
+        </a:xfrm>
+      </p:grpSpPr>
+      <p:sp>
+        <p:nvSpPr>
+          <p:cNvPr id="2" name="Title 1">
+            <a:extLst>
+              <a:ext uri="{FF2B5EF4-FFF2-40B4-BE49-F238E27FC236}">
+                <a16:creationId xmlns:a16="http://schemas.microsoft.com/office/drawing/2014/main" id="{91F67CBF-1BEA-4F04-AD9A-284770C2CC46}"/>
+              </a:ext>
+            </a:extLst>
+          </p:cNvPr>
+          <p:cNvSpPr>
+            <a:spLocks noGrp="1"/>
+          </p:cNvSpPr>
+          <p:nvPr>
+            <p:ph type="title"/>
+          </p:nvPr>
+        </p:nvSpPr>
+        <p:spPr/>
+        <p:txBody>
+          <a:bodyPr/>
+          <a:lstStyle/>
+          <a:p>
+            <a:r>
+              <a:rPr lang="en-US" dirty="0"/>
+              <a:t>3. Baby Names</a:t>
+            </a:r>
+          </a:p>
+        </p:txBody>
+      </p:sp>
+      <p:sp>
+        <p:nvSpPr>
+          <p:cNvPr id="9" name="Title 1">
+            <a:extLst>
+              <a:ext uri="{FF2B5EF4-FFF2-40B4-BE49-F238E27FC236}">
+                <a16:creationId xmlns:a16="http://schemas.microsoft.com/office/drawing/2014/main" id="{E4CBF086-317B-4405-A7FA-4CA5303CD8AF}"/>
+              </a:ext>
+            </a:extLst>
+          </p:cNvPr>
+          <p:cNvSpPr txBox="1">
+            <a:spLocks/>
+          </p:cNvSpPr>
+          <p:nvPr/>
+        </p:nvSpPr>
+        <p:spPr>
+          <a:xfrm>
+            <a:off x="1630096" y="1299216"/>
+            <a:ext cx="10515600" cy="302478"/>
+          </a:xfrm>
+          <a:prstGeom prst="rect">
+            <a:avLst/>
+          </a:prstGeom>
+        </p:spPr>
+        <p:txBody>
+          <a:bodyPr vert="horz" lIns="91440" tIns="45720" rIns="91440" bIns="45720" rtlCol="0" anchor="ctr">
+            <a:normAutofit fontScale="92500" lnSpcReduction="20000"/>
+          </a:bodyPr>
+          <a:lstStyle>
+            <a:lvl1pPr algn="l" defTabSz="914400" rtl="0" eaLnBrk="1" latinLnBrk="0" hangingPunct="1">
+              <a:lnSpc>
+                <a:spcPct val="90000"/>
+              </a:lnSpc>
+              <a:spcBef>
+                <a:spcPct val="0"/>
+              </a:spcBef>
+              <a:buNone/>
+              <a:defRPr sz="4400" kern="1200">
+                <a:solidFill>
+                  <a:schemeClr val="tx1"/>
+                </a:solidFill>
+                <a:latin typeface="+mj-lt"/>
+                <a:ea typeface="+mj-ea"/>
+                <a:cs typeface="+mj-cs"/>
+              </a:defRPr>
+            </a:lvl1pPr>
+          </a:lstStyle>
+          <a:p>
+            <a:r>
+              <a:rPr lang="en-US" sz="2000" dirty="0"/>
+              <a:t>cont.</a:t>
+            </a:r>
+          </a:p>
+        </p:txBody>
+      </p:sp>
+      <p:pic>
+        <p:nvPicPr>
+          <p:cNvPr id="5" name="Picture 4">
+            <a:extLst>
+              <a:ext uri="{FF2B5EF4-FFF2-40B4-BE49-F238E27FC236}">
+                <a16:creationId xmlns:a16="http://schemas.microsoft.com/office/drawing/2014/main" id="{48EBF07B-CCB1-4B65-917C-6966F71549AE}"/>
+              </a:ext>
+            </a:extLst>
+          </p:cNvPr>
+          <p:cNvPicPr>
+            <a:picLocks noChangeAspect="1"/>
+          </p:cNvPicPr>
+          <p:nvPr/>
+        </p:nvPicPr>
+        <p:blipFill>
+          <a:blip r:embed="rId2"/>
+          <a:stretch>
+            <a:fillRect/>
+          </a:stretch>
+        </p:blipFill>
+        <p:spPr>
+          <a:xfrm>
+            <a:off x="838200" y="1690688"/>
+            <a:ext cx="5339369" cy="3312386"/>
+          </a:xfrm>
+          <a:prstGeom prst="rect">
+            <a:avLst/>
+          </a:prstGeom>
+        </p:spPr>
+      </p:pic>
+      <p:pic>
+        <p:nvPicPr>
+          <p:cNvPr id="8" name="Picture 7">
+            <a:extLst>
+              <a:ext uri="{FF2B5EF4-FFF2-40B4-BE49-F238E27FC236}">
+                <a16:creationId xmlns:a16="http://schemas.microsoft.com/office/drawing/2014/main" id="{F32C3E1E-446F-48E8-8AF6-268F47FCEB5B}"/>
+              </a:ext>
+            </a:extLst>
+          </p:cNvPr>
+          <p:cNvPicPr>
+            <a:picLocks noChangeAspect="1"/>
+          </p:cNvPicPr>
+          <p:nvPr/>
+        </p:nvPicPr>
+        <p:blipFill>
+          <a:blip r:embed="rId3"/>
+          <a:stretch>
+            <a:fillRect/>
+          </a:stretch>
+        </p:blipFill>
+        <p:spPr>
+          <a:xfrm>
+            <a:off x="6261938" y="1690688"/>
+            <a:ext cx="5857634" cy="1868941"/>
+          </a:xfrm>
+          <a:prstGeom prst="rect">
+            <a:avLst/>
+          </a:prstGeom>
+        </p:spPr>
+      </p:pic>
+    </p:spTree>
+    <p:extLst>
+      <p:ext uri="{BB962C8B-B14F-4D97-AF65-F5344CB8AC3E}">
+        <p14:creationId xmlns:p14="http://schemas.microsoft.com/office/powerpoint/2010/main" val="572578412"/>
+      </p:ext>
+    </p:extLst>
+  </p:cSld>
+  <p:clrMapOvr>
+    <a:masterClrMapping/>
+  </p:clrMapOvr>
+</p:sld>
+</file>
+
+<file path=ppt/slides/slide12.xml><?xml version="1.0" encoding="utf-8"?>
+<p:sld xmlns:a="http://schemas.openxmlformats.org/drawingml/2006/main" xmlns:r="http://schemas.openxmlformats.org/officeDocument/2006/relationships" xmlns:p="http://schemas.openxmlformats.org/presentationml/2006/main">
+  <p:cSld>
+    <p:spTree>
+      <p:nvGrpSpPr>
+        <p:cNvPr id="1" name=""/>
+        <p:cNvGrpSpPr/>
+        <p:nvPr/>
+      </p:nvGrpSpPr>
+      <p:grpSpPr>
+        <a:xfrm>
+          <a:off x="0" y="0"/>
+          <a:ext cx="0" cy="0"/>
+          <a:chOff x="0" y="0"/>
+          <a:chExt cx="0" cy="0"/>
+        </a:xfrm>
+      </p:grpSpPr>
+      <p:sp>
+        <p:nvSpPr>
+          <p:cNvPr id="2" name="Title 1">
+            <a:extLst>
+              <a:ext uri="{FF2B5EF4-FFF2-40B4-BE49-F238E27FC236}">
+                <a16:creationId xmlns:a16="http://schemas.microsoft.com/office/drawing/2014/main" id="{91F67CBF-1BEA-4F04-AD9A-284770C2CC46}"/>
+              </a:ext>
+            </a:extLst>
+          </p:cNvPr>
+          <p:cNvSpPr>
+            <a:spLocks noGrp="1"/>
+          </p:cNvSpPr>
+          <p:nvPr>
+            <p:ph type="title"/>
+          </p:nvPr>
+        </p:nvSpPr>
+        <p:spPr/>
+        <p:txBody>
+          <a:bodyPr/>
+          <a:lstStyle/>
+          <a:p>
+            <a:r>
+              <a:rPr lang="en-US" dirty="0"/>
+              <a:t>. Takeaways and/or Questions</a:t>
+            </a:r>
+          </a:p>
+        </p:txBody>
+      </p:sp>
+      <p:sp>
+        <p:nvSpPr>
+          <p:cNvPr id="4" name="TextBox 3">
+            <a:extLst>
+              <a:ext uri="{FF2B5EF4-FFF2-40B4-BE49-F238E27FC236}">
+                <a16:creationId xmlns:a16="http://schemas.microsoft.com/office/drawing/2014/main" id="{00C15506-8783-4463-B159-8850F877A65E}"/>
+              </a:ext>
+            </a:extLst>
+          </p:cNvPr>
+          <p:cNvSpPr txBox="1"/>
+          <p:nvPr/>
+        </p:nvSpPr>
+        <p:spPr>
+          <a:xfrm>
+            <a:off x="1195294" y="1613647"/>
+            <a:ext cx="8205694" cy="3139321"/>
+          </a:xfrm>
+          <a:prstGeom prst="rect">
+            <a:avLst/>
+          </a:prstGeom>
+          <a:noFill/>
+        </p:spPr>
+        <p:txBody>
+          <a:bodyPr wrap="square" rtlCol="0">
+            <a:spAutoFit/>
+          </a:bodyPr>
+          <a:lstStyle/>
+          <a:p>
+            <a:pPr marL="285750" indent="-285750">
+              <a:buFont typeface="Arial" panose="020B0604020202020204" pitchFamily="34" charset="0"/>
+              <a:buChar char="•"/>
+            </a:pPr>
+            <a:r>
+              <a:rPr lang="en-US" dirty="0"/>
+              <a:t>I know how to do most of these transformations inside of excel, but that limits my ability to create truly automated processes and my ability to work with much larger data sets.</a:t>
+            </a:r>
+          </a:p>
+          <a:p>
+            <a:pPr marL="742950" lvl="1" indent="-285750">
+              <a:buFont typeface="Arial" panose="020B0604020202020204" pitchFamily="34" charset="0"/>
+              <a:buChar char="•"/>
+            </a:pPr>
+            <a:r>
+              <a:rPr lang="en-US" dirty="0"/>
+              <a:t>The items from this week and last week have felt like huge steps forward for me.</a:t>
+            </a:r>
+          </a:p>
+          <a:p>
+            <a:pPr marL="285750" indent="-285750">
+              <a:buFont typeface="Arial" panose="020B0604020202020204" pitchFamily="34" charset="0"/>
+              <a:buChar char="•"/>
+            </a:pPr>
+            <a:r>
+              <a:rPr lang="en-US" dirty="0"/>
+              <a:t>A lot of the examples were using lists of strings. I found that when I tried to use them for data frames, they didn’t always work the same.</a:t>
+            </a:r>
+          </a:p>
+          <a:p>
+            <a:pPr marL="742950" lvl="1" indent="-285750">
+              <a:buFont typeface="Arial" panose="020B0604020202020204" pitchFamily="34" charset="0"/>
+              <a:buChar char="•"/>
+            </a:pPr>
+            <a:r>
+              <a:rPr lang="en-US" dirty="0"/>
+              <a:t>This is more of a comment than a question. </a:t>
+            </a:r>
+          </a:p>
+          <a:p>
+            <a:pPr marL="742950" lvl="1" indent="-285750">
+              <a:buFont typeface="Arial" panose="020B0604020202020204" pitchFamily="34" charset="0"/>
+              <a:buChar char="•"/>
+            </a:pPr>
+            <a:r>
+              <a:rPr lang="en-US" dirty="0"/>
+              <a:t>For instance, separate() and mutate() were usually easier to use than trying to work in regex.</a:t>
+            </a:r>
+          </a:p>
+          <a:p>
+            <a:pPr marL="742950" lvl="1" indent="-285750">
+              <a:buFont typeface="Arial" panose="020B0604020202020204" pitchFamily="34" charset="0"/>
+              <a:buChar char="•"/>
+            </a:pPr>
+            <a:endParaRPr lang="en-US" dirty="0"/>
+          </a:p>
+        </p:txBody>
+      </p:sp>
+    </p:spTree>
+    <p:extLst>
+      <p:ext uri="{BB962C8B-B14F-4D97-AF65-F5344CB8AC3E}">
+        <p14:creationId xmlns:p14="http://schemas.microsoft.com/office/powerpoint/2010/main" val="1473360199"/>
+      </p:ext>
+    </p:extLst>
+  </p:cSld>
+  <p:clrMapOvr>
+    <a:masterClrMapping/>
+  </p:clrMapOvr>
+</p:sld>
+</file>
+
 <file path=ppt/slides/slide2.xml><?xml version="1.0" encoding="utf-8"?>
 <p:sld xmlns:a="http://schemas.openxmlformats.org/drawingml/2006/main" xmlns:r="http://schemas.openxmlformats.org/officeDocument/2006/relationships" xmlns:p="http://schemas.openxmlformats.org/presentationml/2006/main">
   <p:cSld>
@@ -6511,7 +8501,7 @@
           <a:p>
             <a:r>
               <a:rPr lang="en-US" dirty="0"/>
-              <a:t>1. Restaurant Data from Baltimore</a:t>
+              <a:t>1. BBall Study</a:t>
             </a:r>
           </a:p>
         </p:txBody>
@@ -6530,8 +8520,8 @@
         </p:nvSpPr>
         <p:spPr>
           <a:xfrm>
-            <a:off x="3048000" y="2974805"/>
-            <a:ext cx="6096000" cy="1200329"/>
+            <a:off x="974164" y="1379088"/>
+            <a:ext cx="6209553" cy="1200329"/>
           </a:xfrm>
           <a:prstGeom prst="rect">
             <a:avLst/>
@@ -6583,10 +8573,70 @@
           </a:p>
         </p:txBody>
       </p:sp>
+      <p:pic>
+        <p:nvPicPr>
+          <p:cNvPr id="4" name="Picture 3">
+            <a:extLst>
+              <a:ext uri="{FF2B5EF4-FFF2-40B4-BE49-F238E27FC236}">
+                <a16:creationId xmlns:a16="http://schemas.microsoft.com/office/drawing/2014/main" id="{BED582D1-7A93-4CF5-A471-87F4CDF20A71}"/>
+              </a:ext>
+            </a:extLst>
+          </p:cNvPr>
+          <p:cNvPicPr>
+            <a:picLocks noChangeAspect="1"/>
+          </p:cNvPicPr>
+          <p:nvPr/>
+        </p:nvPicPr>
+        <p:blipFill>
+          <a:blip r:embed="rId2"/>
+          <a:stretch>
+            <a:fillRect/>
+          </a:stretch>
+        </p:blipFill>
+        <p:spPr>
+          <a:xfrm>
+            <a:off x="974164" y="2250758"/>
+            <a:ext cx="5249008" cy="657317"/>
+          </a:xfrm>
+          <a:prstGeom prst="rect">
+            <a:avLst/>
+          </a:prstGeom>
+        </p:spPr>
+      </p:pic>
+      <p:pic>
+        <p:nvPicPr>
+          <p:cNvPr id="6" name="Picture 5">
+            <a:extLst>
+              <a:ext uri="{FF2B5EF4-FFF2-40B4-BE49-F238E27FC236}">
+                <a16:creationId xmlns:a16="http://schemas.microsoft.com/office/drawing/2014/main" id="{20464F2E-85FE-4F66-BEA8-E96612327A43}"/>
+              </a:ext>
+            </a:extLst>
+          </p:cNvPr>
+          <p:cNvPicPr>
+            <a:picLocks noChangeAspect="1"/>
+          </p:cNvPicPr>
+          <p:nvPr/>
+        </p:nvPicPr>
+        <p:blipFill>
+          <a:blip r:embed="rId3"/>
+          <a:stretch>
+            <a:fillRect/>
+          </a:stretch>
+        </p:blipFill>
+        <p:spPr>
+          <a:xfrm>
+            <a:off x="974164" y="3017875"/>
+            <a:ext cx="6345517" cy="3771917"/>
+          </a:xfrm>
+          <a:prstGeom prst="rect">
+            <a:avLst/>
+          </a:prstGeom>
+        </p:spPr>
+      </p:pic>
     </p:spTree>
     <p:extLst>
       <p:ext uri="{BB962C8B-B14F-4D97-AF65-F5344CB8AC3E}">
-        <p14:creationId xmlns:p14="http://schemas.microsoft.com/office/powerpoint/2010/main" val="512989393"/>
+        <p14:creationId xmlns:p14="http://schemas.microsoft.com/office/powerpoint/2010/main" val="2231812740"/>
       </p:ext>
     </p:extLst>
   </p:cSld>
@@ -6636,71 +8686,46 @@
           <a:p>
             <a:r>
               <a:rPr lang="en-US" dirty="0"/>
-              <a:t>1. Restaurant Data from Baltimore</a:t>
+              <a:t>1. BBall Study</a:t>
             </a:r>
           </a:p>
         </p:txBody>
       </p:sp>
-      <p:sp>
-        <p:nvSpPr>
-          <p:cNvPr id="6" name="Title 1">
-            <a:extLst>
-              <a:ext uri="{FF2B5EF4-FFF2-40B4-BE49-F238E27FC236}">
-                <a16:creationId xmlns:a16="http://schemas.microsoft.com/office/drawing/2014/main" id="{67641140-150E-403A-A0C7-788FAF07DD6F}"/>
-              </a:ext>
-            </a:extLst>
-          </p:cNvPr>
-          <p:cNvSpPr txBox="1">
-            <a:spLocks/>
-          </p:cNvSpPr>
+      <p:pic>
+        <p:nvPicPr>
+          <p:cNvPr id="4" name="Picture 3">
+            <a:extLst>
+              <a:ext uri="{FF2B5EF4-FFF2-40B4-BE49-F238E27FC236}">
+                <a16:creationId xmlns:a16="http://schemas.microsoft.com/office/drawing/2014/main" id="{2981624D-628E-4328-999D-584DE7B63380}"/>
+              </a:ext>
+            </a:extLst>
+          </p:cNvPr>
+          <p:cNvPicPr>
+            <a:picLocks noChangeAspect="1"/>
+          </p:cNvPicPr>
           <p:nvPr/>
-        </p:nvSpPr>
+        </p:nvPicPr>
+        <p:blipFill rotWithShape="1">
+          <a:blip r:embed="rId2"/>
+          <a:srcRect l="98" t="-380" r="78" b="435"/>
+          <a:stretch/>
+        </p:blipFill>
         <p:spPr>
           <a:xfrm>
-            <a:off x="1462755" y="1251404"/>
-            <a:ext cx="10515600" cy="527428"/>
+            <a:off x="799372" y="2219194"/>
+            <a:ext cx="5296628" cy="2227300"/>
           </a:xfrm>
           <a:prstGeom prst="rect">
             <a:avLst/>
           </a:prstGeom>
         </p:spPr>
-        <p:txBody>
-          <a:bodyPr vert="horz" lIns="91440" tIns="45720" rIns="91440" bIns="45720" rtlCol="0" anchor="ctr">
-            <a:normAutofit/>
-          </a:bodyPr>
-          <a:lstStyle>
-            <a:lvl1pPr algn="l" defTabSz="914400" rtl="0" eaLnBrk="1" latinLnBrk="0" hangingPunct="1">
-              <a:lnSpc>
-                <a:spcPct val="90000"/>
-              </a:lnSpc>
-              <a:spcBef>
-                <a:spcPct val="0"/>
-              </a:spcBef>
-              <a:buNone/>
-              <a:defRPr sz="4400" kern="1200">
-                <a:solidFill>
-                  <a:schemeClr val="tx1"/>
-                </a:solidFill>
-                <a:latin typeface="+mj-lt"/>
-                <a:ea typeface="+mj-ea"/>
-                <a:cs typeface="+mj-cs"/>
-              </a:defRPr>
-            </a:lvl1pPr>
-          </a:lstStyle>
-          <a:p>
-            <a:r>
-              <a:rPr lang="en-US" sz="2400" dirty="0"/>
-              <a:t>cont.</a:t>
-            </a:r>
-          </a:p>
-        </p:txBody>
-      </p:sp>
+      </p:pic>
       <p:pic>
         <p:nvPicPr>
-          <p:cNvPr id="7" name="Picture 6">
-            <a:extLst>
-              <a:ext uri="{FF2B5EF4-FFF2-40B4-BE49-F238E27FC236}">
-                <a16:creationId xmlns:a16="http://schemas.microsoft.com/office/drawing/2014/main" id="{733DECAC-76A8-463F-872F-19883B36B81B}"/>
+          <p:cNvPr id="5" name="Picture 4">
+            <a:extLst>
+              <a:ext uri="{FF2B5EF4-FFF2-40B4-BE49-F238E27FC236}">
+                <a16:creationId xmlns:a16="http://schemas.microsoft.com/office/drawing/2014/main" id="{D3357C61-8CBF-44BB-873C-8D9D22407618}"/>
               </a:ext>
             </a:extLst>
           </p:cNvPr>
@@ -6709,16 +8734,15 @@
           </p:cNvPicPr>
           <p:nvPr/>
         </p:nvPicPr>
-        <p:blipFill>
-          <a:blip r:embed="rId2"/>
-          <a:stretch>
-            <a:fillRect/>
-          </a:stretch>
+        <p:blipFill rotWithShape="1">
+          <a:blip r:embed="rId3"/>
+          <a:srcRect t="-286" b="563"/>
+          <a:stretch/>
         </p:blipFill>
         <p:spPr>
           <a:xfrm>
-            <a:off x="838199" y="1778832"/>
-            <a:ext cx="10752118" cy="4991597"/>
+            <a:off x="6179671" y="2219194"/>
+            <a:ext cx="5892030" cy="3269129"/>
           </a:xfrm>
           <a:prstGeom prst="rect">
             <a:avLst/>
@@ -6728,7 +8752,7 @@
     </p:spTree>
     <p:extLst>
       <p:ext uri="{BB962C8B-B14F-4D97-AF65-F5344CB8AC3E}">
-        <p14:creationId xmlns:p14="http://schemas.microsoft.com/office/powerpoint/2010/main" val="2366964792"/>
+        <p14:creationId xmlns:p14="http://schemas.microsoft.com/office/powerpoint/2010/main" val="1374861028"/>
       </p:ext>
     </p:extLst>
   </p:cSld>
@@ -6778,17 +8802,47 @@
           <a:p>
             <a:r>
               <a:rPr lang="en-US" dirty="0"/>
-              <a:t>. Takeaways and/or Questions</a:t>
+              <a:t>2. FIFA Study</a:t>
             </a:r>
           </a:p>
         </p:txBody>
       </p:sp>
+      <p:pic>
+        <p:nvPicPr>
+          <p:cNvPr id="4" name="Picture 3">
+            <a:extLst>
+              <a:ext uri="{FF2B5EF4-FFF2-40B4-BE49-F238E27FC236}">
+                <a16:creationId xmlns:a16="http://schemas.microsoft.com/office/drawing/2014/main" id="{8F05F673-040D-47AB-9C00-4C55E48B15C0}"/>
+              </a:ext>
+            </a:extLst>
+          </p:cNvPr>
+          <p:cNvPicPr>
+            <a:picLocks noChangeAspect="1"/>
+          </p:cNvPicPr>
+          <p:nvPr/>
+        </p:nvPicPr>
+        <p:blipFill>
+          <a:blip r:embed="rId2"/>
+          <a:stretch>
+            <a:fillRect/>
+          </a:stretch>
+        </p:blipFill>
+        <p:spPr>
+          <a:xfrm>
+            <a:off x="838200" y="1439676"/>
+            <a:ext cx="6281490" cy="3604465"/>
+          </a:xfrm>
+          <a:prstGeom prst="rect">
+            <a:avLst/>
+          </a:prstGeom>
+        </p:spPr>
+      </p:pic>
       <p:sp>
         <p:nvSpPr>
-          <p:cNvPr id="3" name="TextBox 2">
-            <a:extLst>
-              <a:ext uri="{FF2B5EF4-FFF2-40B4-BE49-F238E27FC236}">
-                <a16:creationId xmlns:a16="http://schemas.microsoft.com/office/drawing/2014/main" id="{0CFADC6F-5C3A-4D15-A0BA-15954151D97D}"/>
+          <p:cNvPr id="5" name="TextBox 4">
+            <a:extLst>
+              <a:ext uri="{FF2B5EF4-FFF2-40B4-BE49-F238E27FC236}">
+                <a16:creationId xmlns:a16="http://schemas.microsoft.com/office/drawing/2014/main" id="{CAF91437-6854-44AC-BAA2-41FE4EF82C8C}"/>
               </a:ext>
             </a:extLst>
           </p:cNvPr>
@@ -6797,8 +8851,8 @@
         </p:nvSpPr>
         <p:spPr>
           <a:xfrm>
-            <a:off x="1333254" y="1858297"/>
-            <a:ext cx="6878648" cy="3139321"/>
+            <a:off x="8384988" y="1362635"/>
+            <a:ext cx="3627718" cy="1200329"/>
           </a:xfrm>
           <a:prstGeom prst="rect">
             <a:avLst/>
@@ -6811,72 +8865,1243 @@
           </a:bodyPr>
           <a:lstStyle/>
           <a:p>
-            <a:pPr marL="742950" lvl="1" indent="-285750">
-              <a:buFont typeface="Arial" panose="020B0604020202020204" pitchFamily="34" charset="0"/>
-              <a:buChar char="•"/>
-            </a:pPr>
             <a:r>
               <a:rPr lang="en-US" dirty="0"/>
-              <a:t>For the </a:t>
+              <a:t>It appears that every position has a positive linear relationship between Weight and Height.</a:t>
             </a:r>
-            <a:r>
-              <a:rPr lang="en-US" dirty="0" err="1"/>
-              <a:t>Intrinio</a:t>
-            </a:r>
-            <a:r>
-              <a:rPr lang="en-US" dirty="0"/>
-              <a:t> API, where do we find our username/password in the format of the </a:t>
-            </a:r>
-            <a:r>
-              <a:rPr lang="en-US" dirty="0" err="1"/>
-              <a:t>rmd</a:t>
-            </a:r>
-            <a:r>
-              <a:rPr lang="en-US" dirty="0"/>
-              <a:t> file?</a:t>
-            </a:r>
-          </a:p>
-          <a:p>
-            <a:pPr marL="1200150" lvl="2" indent="-285750">
-              <a:buFont typeface="Arial" panose="020B0604020202020204" pitchFamily="34" charset="0"/>
-              <a:buChar char="•"/>
-            </a:pPr>
-            <a:r>
-              <a:rPr lang="en-US" dirty="0"/>
-              <a:t>I would love to explore stock prices with this API, but the lessons didn’t cover where they came from and the </a:t>
-            </a:r>
-            <a:r>
-              <a:rPr lang="en-US" dirty="0" err="1"/>
-              <a:t>Intrinio</a:t>
-            </a:r>
-            <a:r>
-              <a:rPr lang="en-US" dirty="0"/>
-              <a:t> API appears to be using a new method through their SDK, so the documentation doesn’t address this anymore.</a:t>
-            </a:r>
-          </a:p>
-          <a:p>
-            <a:pPr marL="742950" lvl="1" indent="-285750">
-              <a:buFont typeface="Arial" panose="020B0604020202020204" pitchFamily="34" charset="0"/>
-              <a:buChar char="•"/>
-            </a:pPr>
-            <a:r>
-              <a:rPr lang="en-US" dirty="0"/>
-              <a:t>APIs are extremely powerful but can be a huge headache because they are all unique in their methods/structure.</a:t>
-            </a:r>
-          </a:p>
-          <a:p>
-            <a:pPr marL="742950" lvl="1" indent="-285750">
-              <a:buFont typeface="Arial" panose="020B0604020202020204" pitchFamily="34" charset="0"/>
-              <a:buChar char="•"/>
-            </a:pPr>
-            <a:endParaRPr lang="en-US" dirty="0"/>
           </a:p>
         </p:txBody>
       </p:sp>
+      <p:pic>
+        <p:nvPicPr>
+          <p:cNvPr id="10" name="Picture 9">
+            <a:extLst>
+              <a:ext uri="{FF2B5EF4-FFF2-40B4-BE49-F238E27FC236}">
+                <a16:creationId xmlns:a16="http://schemas.microsoft.com/office/drawing/2014/main" id="{2765C248-664B-462D-BB86-4F98B2F938B5}"/>
+              </a:ext>
+            </a:extLst>
+          </p:cNvPr>
+          <p:cNvPicPr>
+            <a:picLocks noChangeAspect="1"/>
+          </p:cNvPicPr>
+          <p:nvPr/>
+        </p:nvPicPr>
+        <p:blipFill>
+          <a:blip r:embed="rId3"/>
+          <a:stretch>
+            <a:fillRect/>
+          </a:stretch>
+        </p:blipFill>
+        <p:spPr>
+          <a:xfrm>
+            <a:off x="6096000" y="5117069"/>
+            <a:ext cx="5864285" cy="1515389"/>
+          </a:xfrm>
+          <a:prstGeom prst="rect">
+            <a:avLst/>
+          </a:prstGeom>
+        </p:spPr>
+      </p:pic>
     </p:spTree>
     <p:extLst>
       <p:ext uri="{BB962C8B-B14F-4D97-AF65-F5344CB8AC3E}">
-        <p14:creationId xmlns:p14="http://schemas.microsoft.com/office/powerpoint/2010/main" val="1473360199"/>
+        <p14:creationId xmlns:p14="http://schemas.microsoft.com/office/powerpoint/2010/main" val="512989393"/>
+      </p:ext>
+    </p:extLst>
+  </p:cSld>
+  <p:clrMapOvr>
+    <a:masterClrMapping/>
+  </p:clrMapOvr>
+</p:sld>
+</file>
+
+<file path=ppt/slides/slide5.xml><?xml version="1.0" encoding="utf-8"?>
+<p:sld xmlns:a="http://schemas.openxmlformats.org/drawingml/2006/main" xmlns:r="http://schemas.openxmlformats.org/officeDocument/2006/relationships" xmlns:p="http://schemas.openxmlformats.org/presentationml/2006/main">
+  <p:cSld>
+    <p:spTree>
+      <p:nvGrpSpPr>
+        <p:cNvPr id="1" name=""/>
+        <p:cNvGrpSpPr/>
+        <p:nvPr/>
+      </p:nvGrpSpPr>
+      <p:grpSpPr>
+        <a:xfrm>
+          <a:off x="0" y="0"/>
+          <a:ext cx="0" cy="0"/>
+          <a:chOff x="0" y="0"/>
+          <a:chExt cx="0" cy="0"/>
+        </a:xfrm>
+      </p:grpSpPr>
+      <p:sp>
+        <p:nvSpPr>
+          <p:cNvPr id="2" name="Title 1">
+            <a:extLst>
+              <a:ext uri="{FF2B5EF4-FFF2-40B4-BE49-F238E27FC236}">
+                <a16:creationId xmlns:a16="http://schemas.microsoft.com/office/drawing/2014/main" id="{91F67CBF-1BEA-4F04-AD9A-284770C2CC46}"/>
+              </a:ext>
+            </a:extLst>
+          </p:cNvPr>
+          <p:cNvSpPr>
+            <a:spLocks noGrp="1"/>
+          </p:cNvSpPr>
+          <p:nvPr>
+            <p:ph type="title"/>
+          </p:nvPr>
+        </p:nvSpPr>
+        <p:spPr/>
+        <p:txBody>
+          <a:bodyPr/>
+          <a:lstStyle/>
+          <a:p>
+            <a:r>
+              <a:rPr lang="en-US" dirty="0"/>
+              <a:t>2. FIFA Study</a:t>
+            </a:r>
+          </a:p>
+        </p:txBody>
+      </p:sp>
+      <p:sp>
+        <p:nvSpPr>
+          <p:cNvPr id="5" name="TextBox 4">
+            <a:extLst>
+              <a:ext uri="{FF2B5EF4-FFF2-40B4-BE49-F238E27FC236}">
+                <a16:creationId xmlns:a16="http://schemas.microsoft.com/office/drawing/2014/main" id="{CAF91437-6854-44AC-BAA2-41FE4EF82C8C}"/>
+              </a:ext>
+            </a:extLst>
+          </p:cNvPr>
+          <p:cNvSpPr txBox="1"/>
+          <p:nvPr/>
+        </p:nvSpPr>
+        <p:spPr>
+          <a:xfrm>
+            <a:off x="7440707" y="1112538"/>
+            <a:ext cx="3627718" cy="2585323"/>
+          </a:xfrm>
+          <a:prstGeom prst="rect">
+            <a:avLst/>
+          </a:prstGeom>
+          <a:noFill/>
+        </p:spPr>
+        <p:txBody>
+          <a:bodyPr wrap="square" rtlCol="0">
+            <a:spAutoFit/>
+          </a:bodyPr>
+          <a:lstStyle/>
+          <a:p>
+            <a:r>
+              <a:rPr lang="en-US" dirty="0"/>
+              <a:t>It also appears that on average the tallest and heaviest positions are Strikers and Goal Keepers.</a:t>
+            </a:r>
+          </a:p>
+          <a:p>
+            <a:endParaRPr lang="en-US" dirty="0"/>
+          </a:p>
+          <a:p>
+            <a:r>
+              <a:rPr lang="en-US" dirty="0"/>
+              <a:t>This is shown by grouping all other positions and comparing Height and Weight.</a:t>
+            </a:r>
+          </a:p>
+          <a:p>
+            <a:endParaRPr lang="en-US" dirty="0"/>
+          </a:p>
+        </p:txBody>
+      </p:sp>
+      <p:sp>
+        <p:nvSpPr>
+          <p:cNvPr id="6" name="Title 1">
+            <a:extLst>
+              <a:ext uri="{FF2B5EF4-FFF2-40B4-BE49-F238E27FC236}">
+                <a16:creationId xmlns:a16="http://schemas.microsoft.com/office/drawing/2014/main" id="{5D2CC7D3-460C-488C-A2CB-ACF327705A84}"/>
+              </a:ext>
+            </a:extLst>
+          </p:cNvPr>
+          <p:cNvSpPr txBox="1">
+            <a:spLocks/>
+          </p:cNvSpPr>
+          <p:nvPr/>
+        </p:nvSpPr>
+        <p:spPr>
+          <a:xfrm>
+            <a:off x="1630096" y="1299216"/>
+            <a:ext cx="10515600" cy="302478"/>
+          </a:xfrm>
+          <a:prstGeom prst="rect">
+            <a:avLst/>
+          </a:prstGeom>
+        </p:spPr>
+        <p:txBody>
+          <a:bodyPr vert="horz" lIns="91440" tIns="45720" rIns="91440" bIns="45720" rtlCol="0" anchor="ctr">
+            <a:normAutofit fontScale="92500" lnSpcReduction="20000"/>
+          </a:bodyPr>
+          <a:lstStyle>
+            <a:lvl1pPr algn="l" defTabSz="914400" rtl="0" eaLnBrk="1" latinLnBrk="0" hangingPunct="1">
+              <a:lnSpc>
+                <a:spcPct val="90000"/>
+              </a:lnSpc>
+              <a:spcBef>
+                <a:spcPct val="0"/>
+              </a:spcBef>
+              <a:buNone/>
+              <a:defRPr sz="4400" kern="1200">
+                <a:solidFill>
+                  <a:schemeClr val="tx1"/>
+                </a:solidFill>
+                <a:latin typeface="+mj-lt"/>
+                <a:ea typeface="+mj-ea"/>
+                <a:cs typeface="+mj-cs"/>
+              </a:defRPr>
+            </a:lvl1pPr>
+          </a:lstStyle>
+          <a:p>
+            <a:r>
+              <a:rPr lang="en-US" sz="2000" dirty="0"/>
+              <a:t>cont.</a:t>
+            </a:r>
+          </a:p>
+        </p:txBody>
+      </p:sp>
+      <p:pic>
+        <p:nvPicPr>
+          <p:cNvPr id="15" name="Picture 14">
+            <a:extLst>
+              <a:ext uri="{FF2B5EF4-FFF2-40B4-BE49-F238E27FC236}">
+                <a16:creationId xmlns:a16="http://schemas.microsoft.com/office/drawing/2014/main" id="{92080125-956E-4043-A23C-7AF42AC989A4}"/>
+              </a:ext>
+            </a:extLst>
+          </p:cNvPr>
+          <p:cNvPicPr>
+            <a:picLocks noChangeAspect="1"/>
+          </p:cNvPicPr>
+          <p:nvPr/>
+        </p:nvPicPr>
+        <p:blipFill>
+          <a:blip r:embed="rId2"/>
+          <a:stretch>
+            <a:fillRect/>
+          </a:stretch>
+        </p:blipFill>
+        <p:spPr>
+          <a:xfrm>
+            <a:off x="838200" y="1690688"/>
+            <a:ext cx="5585017" cy="3202799"/>
+          </a:xfrm>
+          <a:prstGeom prst="rect">
+            <a:avLst/>
+          </a:prstGeom>
+        </p:spPr>
+      </p:pic>
+      <p:pic>
+        <p:nvPicPr>
+          <p:cNvPr id="17" name="Picture 16">
+            <a:extLst>
+              <a:ext uri="{FF2B5EF4-FFF2-40B4-BE49-F238E27FC236}">
+                <a16:creationId xmlns:a16="http://schemas.microsoft.com/office/drawing/2014/main" id="{B193208F-DA50-4B63-84A4-EF5EC5396824}"/>
+              </a:ext>
+            </a:extLst>
+          </p:cNvPr>
+          <p:cNvPicPr>
+            <a:picLocks noChangeAspect="1"/>
+          </p:cNvPicPr>
+          <p:nvPr/>
+        </p:nvPicPr>
+        <p:blipFill>
+          <a:blip r:embed="rId3"/>
+          <a:stretch>
+            <a:fillRect/>
+          </a:stretch>
+        </p:blipFill>
+        <p:spPr>
+          <a:xfrm>
+            <a:off x="6720555" y="3654989"/>
+            <a:ext cx="4947819" cy="3200400"/>
+          </a:xfrm>
+          <a:prstGeom prst="rect">
+            <a:avLst/>
+          </a:prstGeom>
+        </p:spPr>
+      </p:pic>
+      <p:pic>
+        <p:nvPicPr>
+          <p:cNvPr id="19" name="Picture 18">
+            <a:extLst>
+              <a:ext uri="{FF2B5EF4-FFF2-40B4-BE49-F238E27FC236}">
+                <a16:creationId xmlns:a16="http://schemas.microsoft.com/office/drawing/2014/main" id="{174311E2-0EDF-4437-89D6-F63869158EFE}"/>
+              </a:ext>
+            </a:extLst>
+          </p:cNvPr>
+          <p:cNvPicPr>
+            <a:picLocks noChangeAspect="1"/>
+          </p:cNvPicPr>
+          <p:nvPr/>
+        </p:nvPicPr>
+        <p:blipFill>
+          <a:blip r:embed="rId4"/>
+          <a:stretch>
+            <a:fillRect/>
+          </a:stretch>
+        </p:blipFill>
+        <p:spPr>
+          <a:xfrm>
+            <a:off x="838200" y="5606596"/>
+            <a:ext cx="5403883" cy="854530"/>
+          </a:xfrm>
+          <a:prstGeom prst="rect">
+            <a:avLst/>
+          </a:prstGeom>
+        </p:spPr>
+      </p:pic>
+    </p:spTree>
+    <p:extLst>
+      <p:ext uri="{BB962C8B-B14F-4D97-AF65-F5344CB8AC3E}">
+        <p14:creationId xmlns:p14="http://schemas.microsoft.com/office/powerpoint/2010/main" val="2303638540"/>
+      </p:ext>
+    </p:extLst>
+  </p:cSld>
+  <p:clrMapOvr>
+    <a:masterClrMapping/>
+  </p:clrMapOvr>
+</p:sld>
+</file>
+
+<file path=ppt/slides/slide6.xml><?xml version="1.0" encoding="utf-8"?>
+<p:sld xmlns:a="http://schemas.openxmlformats.org/drawingml/2006/main" xmlns:r="http://schemas.openxmlformats.org/officeDocument/2006/relationships" xmlns:p="http://schemas.openxmlformats.org/presentationml/2006/main">
+  <p:cSld>
+    <p:spTree>
+      <p:nvGrpSpPr>
+        <p:cNvPr id="1" name=""/>
+        <p:cNvGrpSpPr/>
+        <p:nvPr/>
+      </p:nvGrpSpPr>
+      <p:grpSpPr>
+        <a:xfrm>
+          <a:off x="0" y="0"/>
+          <a:ext cx="0" cy="0"/>
+          <a:chOff x="0" y="0"/>
+          <a:chExt cx="0" cy="0"/>
+        </a:xfrm>
+      </p:grpSpPr>
+      <p:sp>
+        <p:nvSpPr>
+          <p:cNvPr id="2" name="Title 1">
+            <a:extLst>
+              <a:ext uri="{FF2B5EF4-FFF2-40B4-BE49-F238E27FC236}">
+                <a16:creationId xmlns:a16="http://schemas.microsoft.com/office/drawing/2014/main" id="{91F67CBF-1BEA-4F04-AD9A-284770C2CC46}"/>
+              </a:ext>
+            </a:extLst>
+          </p:cNvPr>
+          <p:cNvSpPr>
+            <a:spLocks noGrp="1"/>
+          </p:cNvSpPr>
+          <p:nvPr>
+            <p:ph type="title"/>
+          </p:nvPr>
+        </p:nvSpPr>
+        <p:spPr/>
+        <p:txBody>
+          <a:bodyPr/>
+          <a:lstStyle/>
+          <a:p>
+            <a:r>
+              <a:rPr lang="en-US" dirty="0"/>
+              <a:t>2. FIFA Study</a:t>
+            </a:r>
+          </a:p>
+        </p:txBody>
+      </p:sp>
+      <p:sp>
+        <p:nvSpPr>
+          <p:cNvPr id="5" name="TextBox 4">
+            <a:extLst>
+              <a:ext uri="{FF2B5EF4-FFF2-40B4-BE49-F238E27FC236}">
+                <a16:creationId xmlns:a16="http://schemas.microsoft.com/office/drawing/2014/main" id="{CAF91437-6854-44AC-BAA2-41FE4EF82C8C}"/>
+              </a:ext>
+            </a:extLst>
+          </p:cNvPr>
+          <p:cNvSpPr txBox="1"/>
+          <p:nvPr/>
+        </p:nvSpPr>
+        <p:spPr>
+          <a:xfrm>
+            <a:off x="1834779" y="4650347"/>
+            <a:ext cx="3723338" cy="2031325"/>
+          </a:xfrm>
+          <a:prstGeom prst="rect">
+            <a:avLst/>
+          </a:prstGeom>
+          <a:noFill/>
+        </p:spPr>
+        <p:txBody>
+          <a:bodyPr wrap="square" rtlCol="0">
+            <a:spAutoFit/>
+          </a:bodyPr>
+          <a:lstStyle/>
+          <a:p>
+            <a:r>
+              <a:rPr lang="en-US" dirty="0"/>
+              <a:t>There appears to be a very similar distribution and relationship between Height and Weight between the positions with LB edging slightly higher in both categories.</a:t>
+            </a:r>
+          </a:p>
+          <a:p>
+            <a:endParaRPr lang="en-US" dirty="0"/>
+          </a:p>
+        </p:txBody>
+      </p:sp>
+      <p:sp>
+        <p:nvSpPr>
+          <p:cNvPr id="8" name="Title 1">
+            <a:extLst>
+              <a:ext uri="{FF2B5EF4-FFF2-40B4-BE49-F238E27FC236}">
+                <a16:creationId xmlns:a16="http://schemas.microsoft.com/office/drawing/2014/main" id="{E8BC6BBF-2D2E-4669-8186-65A660A81894}"/>
+              </a:ext>
+            </a:extLst>
+          </p:cNvPr>
+          <p:cNvSpPr txBox="1">
+            <a:spLocks/>
+          </p:cNvSpPr>
+          <p:nvPr/>
+        </p:nvSpPr>
+        <p:spPr>
+          <a:xfrm>
+            <a:off x="1630096" y="1299216"/>
+            <a:ext cx="10515600" cy="302478"/>
+          </a:xfrm>
+          <a:prstGeom prst="rect">
+            <a:avLst/>
+          </a:prstGeom>
+        </p:spPr>
+        <p:txBody>
+          <a:bodyPr vert="horz" lIns="91440" tIns="45720" rIns="91440" bIns="45720" rtlCol="0" anchor="ctr">
+            <a:normAutofit fontScale="92500" lnSpcReduction="20000"/>
+          </a:bodyPr>
+          <a:lstStyle>
+            <a:lvl1pPr algn="l" defTabSz="914400" rtl="0" eaLnBrk="1" latinLnBrk="0" hangingPunct="1">
+              <a:lnSpc>
+                <a:spcPct val="90000"/>
+              </a:lnSpc>
+              <a:spcBef>
+                <a:spcPct val="0"/>
+              </a:spcBef>
+              <a:buNone/>
+              <a:defRPr sz="4400" kern="1200">
+                <a:solidFill>
+                  <a:schemeClr val="tx1"/>
+                </a:solidFill>
+                <a:latin typeface="+mj-lt"/>
+                <a:ea typeface="+mj-ea"/>
+                <a:cs typeface="+mj-cs"/>
+              </a:defRPr>
+            </a:lvl1pPr>
+          </a:lstStyle>
+          <a:p>
+            <a:r>
+              <a:rPr lang="en-US" sz="2000" dirty="0"/>
+              <a:t>LB vs. LM</a:t>
+            </a:r>
+          </a:p>
+        </p:txBody>
+      </p:sp>
+      <p:pic>
+        <p:nvPicPr>
+          <p:cNvPr id="4" name="Picture 3">
+            <a:extLst>
+              <a:ext uri="{FF2B5EF4-FFF2-40B4-BE49-F238E27FC236}">
+                <a16:creationId xmlns:a16="http://schemas.microsoft.com/office/drawing/2014/main" id="{4D134981-A364-4A41-A5D6-BC52ECC91088}"/>
+              </a:ext>
+            </a:extLst>
+          </p:cNvPr>
+          <p:cNvPicPr>
+            <a:picLocks noChangeAspect="1"/>
+          </p:cNvPicPr>
+          <p:nvPr/>
+        </p:nvPicPr>
+        <p:blipFill>
+          <a:blip r:embed="rId2"/>
+          <a:stretch>
+            <a:fillRect/>
+          </a:stretch>
+        </p:blipFill>
+        <p:spPr>
+          <a:xfrm>
+            <a:off x="1110708" y="1769035"/>
+            <a:ext cx="4782776" cy="2743200"/>
+          </a:xfrm>
+          <a:prstGeom prst="rect">
+            <a:avLst/>
+          </a:prstGeom>
+        </p:spPr>
+      </p:pic>
+      <p:pic>
+        <p:nvPicPr>
+          <p:cNvPr id="9" name="Picture 8">
+            <a:extLst>
+              <a:ext uri="{FF2B5EF4-FFF2-40B4-BE49-F238E27FC236}">
+                <a16:creationId xmlns:a16="http://schemas.microsoft.com/office/drawing/2014/main" id="{16055A6A-7960-4131-A64B-0ED0714BD4FD}"/>
+              </a:ext>
+            </a:extLst>
+          </p:cNvPr>
+          <p:cNvPicPr>
+            <a:picLocks noChangeAspect="1"/>
+          </p:cNvPicPr>
+          <p:nvPr/>
+        </p:nvPicPr>
+        <p:blipFill>
+          <a:blip r:embed="rId3"/>
+          <a:stretch>
+            <a:fillRect/>
+          </a:stretch>
+        </p:blipFill>
+        <p:spPr>
+          <a:xfrm>
+            <a:off x="6581993" y="1048332"/>
+            <a:ext cx="4771807" cy="2744872"/>
+          </a:xfrm>
+          <a:prstGeom prst="rect">
+            <a:avLst/>
+          </a:prstGeom>
+        </p:spPr>
+      </p:pic>
+      <p:pic>
+        <p:nvPicPr>
+          <p:cNvPr id="11" name="Picture 10">
+            <a:extLst>
+              <a:ext uri="{FF2B5EF4-FFF2-40B4-BE49-F238E27FC236}">
+                <a16:creationId xmlns:a16="http://schemas.microsoft.com/office/drawing/2014/main" id="{9065FEDD-AA27-43BD-813A-A0A9C040FF72}"/>
+              </a:ext>
+            </a:extLst>
+          </p:cNvPr>
+          <p:cNvPicPr>
+            <a:picLocks noChangeAspect="1"/>
+          </p:cNvPicPr>
+          <p:nvPr/>
+        </p:nvPicPr>
+        <p:blipFill>
+          <a:blip r:embed="rId4"/>
+          <a:stretch>
+            <a:fillRect/>
+          </a:stretch>
+        </p:blipFill>
+        <p:spPr>
+          <a:xfrm>
+            <a:off x="6403872" y="3793204"/>
+            <a:ext cx="4772798" cy="2743200"/>
+          </a:xfrm>
+          <a:prstGeom prst="rect">
+            <a:avLst/>
+          </a:prstGeom>
+        </p:spPr>
+      </p:pic>
+    </p:spTree>
+    <p:extLst>
+      <p:ext uri="{BB962C8B-B14F-4D97-AF65-F5344CB8AC3E}">
+        <p14:creationId xmlns:p14="http://schemas.microsoft.com/office/powerpoint/2010/main" val="1488257127"/>
+      </p:ext>
+    </p:extLst>
+  </p:cSld>
+  <p:clrMapOvr>
+    <a:masterClrMapping/>
+  </p:clrMapOvr>
+</p:sld>
+</file>
+
+<file path=ppt/slides/slide7.xml><?xml version="1.0" encoding="utf-8"?>
+<p:sld xmlns:a="http://schemas.openxmlformats.org/drawingml/2006/main" xmlns:r="http://schemas.openxmlformats.org/officeDocument/2006/relationships" xmlns:p="http://schemas.openxmlformats.org/presentationml/2006/main">
+  <p:cSld>
+    <p:spTree>
+      <p:nvGrpSpPr>
+        <p:cNvPr id="1" name=""/>
+        <p:cNvGrpSpPr/>
+        <p:nvPr/>
+      </p:nvGrpSpPr>
+      <p:grpSpPr>
+        <a:xfrm>
+          <a:off x="0" y="0"/>
+          <a:ext cx="0" cy="0"/>
+          <a:chOff x="0" y="0"/>
+          <a:chExt cx="0" cy="0"/>
+        </a:xfrm>
+      </p:grpSpPr>
+      <p:sp>
+        <p:nvSpPr>
+          <p:cNvPr id="2" name="Title 1">
+            <a:extLst>
+              <a:ext uri="{FF2B5EF4-FFF2-40B4-BE49-F238E27FC236}">
+                <a16:creationId xmlns:a16="http://schemas.microsoft.com/office/drawing/2014/main" id="{91F67CBF-1BEA-4F04-AD9A-284770C2CC46}"/>
+              </a:ext>
+            </a:extLst>
+          </p:cNvPr>
+          <p:cNvSpPr>
+            <a:spLocks noGrp="1"/>
+          </p:cNvSpPr>
+          <p:nvPr>
+            <p:ph type="title"/>
+          </p:nvPr>
+        </p:nvSpPr>
+        <p:spPr/>
+        <p:txBody>
+          <a:bodyPr/>
+          <a:lstStyle/>
+          <a:p>
+            <a:r>
+              <a:rPr lang="en-US" dirty="0"/>
+              <a:t>3. Baby Names</a:t>
+            </a:r>
+          </a:p>
+        </p:txBody>
+      </p:sp>
+      <p:pic>
+        <p:nvPicPr>
+          <p:cNvPr id="8" name="Picture 7">
+            <a:extLst>
+              <a:ext uri="{FF2B5EF4-FFF2-40B4-BE49-F238E27FC236}">
+                <a16:creationId xmlns:a16="http://schemas.microsoft.com/office/drawing/2014/main" id="{539C6038-3D6C-40FB-9351-97D05C3B98E7}"/>
+              </a:ext>
+            </a:extLst>
+          </p:cNvPr>
+          <p:cNvPicPr>
+            <a:picLocks noChangeAspect="1"/>
+          </p:cNvPicPr>
+          <p:nvPr/>
+        </p:nvPicPr>
+        <p:blipFill>
+          <a:blip r:embed="rId2"/>
+          <a:stretch>
+            <a:fillRect/>
+          </a:stretch>
+        </p:blipFill>
+        <p:spPr>
+          <a:xfrm>
+            <a:off x="930638" y="1640196"/>
+            <a:ext cx="4163006" cy="924054"/>
+          </a:xfrm>
+          <a:prstGeom prst="rect">
+            <a:avLst/>
+          </a:prstGeom>
+        </p:spPr>
+      </p:pic>
+      <p:pic>
+        <p:nvPicPr>
+          <p:cNvPr id="10" name="Picture 9">
+            <a:extLst>
+              <a:ext uri="{FF2B5EF4-FFF2-40B4-BE49-F238E27FC236}">
+                <a16:creationId xmlns:a16="http://schemas.microsoft.com/office/drawing/2014/main" id="{4CF3F687-9BC2-401D-B474-4F8A8D781E78}"/>
+              </a:ext>
+            </a:extLst>
+          </p:cNvPr>
+          <p:cNvPicPr>
+            <a:picLocks noChangeAspect="1"/>
+          </p:cNvPicPr>
+          <p:nvPr/>
+        </p:nvPicPr>
+        <p:blipFill>
+          <a:blip r:embed="rId3"/>
+          <a:stretch>
+            <a:fillRect/>
+          </a:stretch>
+        </p:blipFill>
+        <p:spPr>
+          <a:xfrm>
+            <a:off x="930638" y="2715214"/>
+            <a:ext cx="4657362" cy="1071284"/>
+          </a:xfrm>
+          <a:prstGeom prst="rect">
+            <a:avLst/>
+          </a:prstGeom>
+        </p:spPr>
+      </p:pic>
+      <p:pic>
+        <p:nvPicPr>
+          <p:cNvPr id="12" name="Picture 11">
+            <a:extLst>
+              <a:ext uri="{FF2B5EF4-FFF2-40B4-BE49-F238E27FC236}">
+                <a16:creationId xmlns:a16="http://schemas.microsoft.com/office/drawing/2014/main" id="{B2AC56E9-EF0D-4D64-9532-8E3024E99A25}"/>
+              </a:ext>
+            </a:extLst>
+          </p:cNvPr>
+          <p:cNvPicPr>
+            <a:picLocks noChangeAspect="1"/>
+          </p:cNvPicPr>
+          <p:nvPr/>
+        </p:nvPicPr>
+        <p:blipFill>
+          <a:blip r:embed="rId4"/>
+          <a:stretch>
+            <a:fillRect/>
+          </a:stretch>
+        </p:blipFill>
+        <p:spPr>
+          <a:xfrm>
+            <a:off x="5862918" y="2715214"/>
+            <a:ext cx="6197600" cy="906514"/>
+          </a:xfrm>
+          <a:prstGeom prst="rect">
+            <a:avLst/>
+          </a:prstGeom>
+        </p:spPr>
+      </p:pic>
+      <p:pic>
+        <p:nvPicPr>
+          <p:cNvPr id="14" name="Picture 13">
+            <a:extLst>
+              <a:ext uri="{FF2B5EF4-FFF2-40B4-BE49-F238E27FC236}">
+                <a16:creationId xmlns:a16="http://schemas.microsoft.com/office/drawing/2014/main" id="{4721B26E-AB64-4097-BF38-AE3E36DAFFEC}"/>
+              </a:ext>
+            </a:extLst>
+          </p:cNvPr>
+          <p:cNvPicPr>
+            <a:picLocks noChangeAspect="1"/>
+          </p:cNvPicPr>
+          <p:nvPr/>
+        </p:nvPicPr>
+        <p:blipFill>
+          <a:blip r:embed="rId5"/>
+          <a:stretch>
+            <a:fillRect/>
+          </a:stretch>
+        </p:blipFill>
+        <p:spPr>
+          <a:xfrm>
+            <a:off x="912709" y="4048917"/>
+            <a:ext cx="4675291" cy="1461029"/>
+          </a:xfrm>
+          <a:prstGeom prst="rect">
+            <a:avLst/>
+          </a:prstGeom>
+        </p:spPr>
+      </p:pic>
+      <p:pic>
+        <p:nvPicPr>
+          <p:cNvPr id="16" name="Picture 15">
+            <a:extLst>
+              <a:ext uri="{FF2B5EF4-FFF2-40B4-BE49-F238E27FC236}">
+                <a16:creationId xmlns:a16="http://schemas.microsoft.com/office/drawing/2014/main" id="{8F68BE53-1DA6-4728-A46F-44AF0FE3E137}"/>
+              </a:ext>
+            </a:extLst>
+          </p:cNvPr>
+          <p:cNvPicPr>
+            <a:picLocks noChangeAspect="1"/>
+          </p:cNvPicPr>
+          <p:nvPr/>
+        </p:nvPicPr>
+        <p:blipFill>
+          <a:blip r:embed="rId6"/>
+          <a:stretch>
+            <a:fillRect/>
+          </a:stretch>
+        </p:blipFill>
+        <p:spPr>
+          <a:xfrm>
+            <a:off x="5837933" y="4048917"/>
+            <a:ext cx="6222584" cy="868680"/>
+          </a:xfrm>
+          <a:prstGeom prst="rect">
+            <a:avLst/>
+          </a:prstGeom>
+        </p:spPr>
+      </p:pic>
+    </p:spTree>
+    <p:extLst>
+      <p:ext uri="{BB962C8B-B14F-4D97-AF65-F5344CB8AC3E}">
+        <p14:creationId xmlns:p14="http://schemas.microsoft.com/office/powerpoint/2010/main" val="2366964792"/>
+      </p:ext>
+    </p:extLst>
+  </p:cSld>
+  <p:clrMapOvr>
+    <a:masterClrMapping/>
+  </p:clrMapOvr>
+</p:sld>
+</file>
+
+<file path=ppt/slides/slide8.xml><?xml version="1.0" encoding="utf-8"?>
+<p:sld xmlns:a="http://schemas.openxmlformats.org/drawingml/2006/main" xmlns:r="http://schemas.openxmlformats.org/officeDocument/2006/relationships" xmlns:p="http://schemas.openxmlformats.org/presentationml/2006/main">
+  <p:cSld>
+    <p:spTree>
+      <p:nvGrpSpPr>
+        <p:cNvPr id="1" name=""/>
+        <p:cNvGrpSpPr/>
+        <p:nvPr/>
+      </p:nvGrpSpPr>
+      <p:grpSpPr>
+        <a:xfrm>
+          <a:off x="0" y="0"/>
+          <a:ext cx="0" cy="0"/>
+          <a:chOff x="0" y="0"/>
+          <a:chExt cx="0" cy="0"/>
+        </a:xfrm>
+      </p:grpSpPr>
+      <p:sp>
+        <p:nvSpPr>
+          <p:cNvPr id="2" name="Title 1">
+            <a:extLst>
+              <a:ext uri="{FF2B5EF4-FFF2-40B4-BE49-F238E27FC236}">
+                <a16:creationId xmlns:a16="http://schemas.microsoft.com/office/drawing/2014/main" id="{91F67CBF-1BEA-4F04-AD9A-284770C2CC46}"/>
+              </a:ext>
+            </a:extLst>
+          </p:cNvPr>
+          <p:cNvSpPr>
+            <a:spLocks noGrp="1"/>
+          </p:cNvSpPr>
+          <p:nvPr>
+            <p:ph type="title"/>
+          </p:nvPr>
+        </p:nvSpPr>
+        <p:spPr/>
+        <p:txBody>
+          <a:bodyPr/>
+          <a:lstStyle/>
+          <a:p>
+            <a:r>
+              <a:rPr lang="en-US" dirty="0"/>
+              <a:t>3. Baby Names</a:t>
+            </a:r>
+          </a:p>
+        </p:txBody>
+      </p:sp>
+      <p:sp>
+        <p:nvSpPr>
+          <p:cNvPr id="9" name="Title 1">
+            <a:extLst>
+              <a:ext uri="{FF2B5EF4-FFF2-40B4-BE49-F238E27FC236}">
+                <a16:creationId xmlns:a16="http://schemas.microsoft.com/office/drawing/2014/main" id="{E4CBF086-317B-4405-A7FA-4CA5303CD8AF}"/>
+              </a:ext>
+            </a:extLst>
+          </p:cNvPr>
+          <p:cNvSpPr txBox="1">
+            <a:spLocks/>
+          </p:cNvSpPr>
+          <p:nvPr/>
+        </p:nvSpPr>
+        <p:spPr>
+          <a:xfrm>
+            <a:off x="1630096" y="1299216"/>
+            <a:ext cx="10515600" cy="302478"/>
+          </a:xfrm>
+          <a:prstGeom prst="rect">
+            <a:avLst/>
+          </a:prstGeom>
+        </p:spPr>
+        <p:txBody>
+          <a:bodyPr vert="horz" lIns="91440" tIns="45720" rIns="91440" bIns="45720" rtlCol="0" anchor="ctr">
+            <a:normAutofit fontScale="92500" lnSpcReduction="20000"/>
+          </a:bodyPr>
+          <a:lstStyle>
+            <a:lvl1pPr algn="l" defTabSz="914400" rtl="0" eaLnBrk="1" latinLnBrk="0" hangingPunct="1">
+              <a:lnSpc>
+                <a:spcPct val="90000"/>
+              </a:lnSpc>
+              <a:spcBef>
+                <a:spcPct val="0"/>
+              </a:spcBef>
+              <a:buNone/>
+              <a:defRPr sz="4400" kern="1200">
+                <a:solidFill>
+                  <a:schemeClr val="tx1"/>
+                </a:solidFill>
+                <a:latin typeface="+mj-lt"/>
+                <a:ea typeface="+mj-ea"/>
+                <a:cs typeface="+mj-cs"/>
+              </a:defRPr>
+            </a:lvl1pPr>
+          </a:lstStyle>
+          <a:p>
+            <a:r>
+              <a:rPr lang="en-US" sz="2000" dirty="0"/>
+              <a:t>cont.</a:t>
+            </a:r>
+          </a:p>
+        </p:txBody>
+      </p:sp>
+      <p:pic>
+        <p:nvPicPr>
+          <p:cNvPr id="4" name="Picture 3">
+            <a:extLst>
+              <a:ext uri="{FF2B5EF4-FFF2-40B4-BE49-F238E27FC236}">
+                <a16:creationId xmlns:a16="http://schemas.microsoft.com/office/drawing/2014/main" id="{A4163605-BEAD-47B3-B223-29ACB3B7F8F7}"/>
+              </a:ext>
+            </a:extLst>
+          </p:cNvPr>
+          <p:cNvPicPr>
+            <a:picLocks noChangeAspect="1"/>
+          </p:cNvPicPr>
+          <p:nvPr/>
+        </p:nvPicPr>
+        <p:blipFill>
+          <a:blip r:embed="rId2"/>
+          <a:stretch>
+            <a:fillRect/>
+          </a:stretch>
+        </p:blipFill>
+        <p:spPr>
+          <a:xfrm>
+            <a:off x="838200" y="1690688"/>
+            <a:ext cx="2162477" cy="552527"/>
+          </a:xfrm>
+          <a:prstGeom prst="rect">
+            <a:avLst/>
+          </a:prstGeom>
+        </p:spPr>
+      </p:pic>
+      <p:pic>
+        <p:nvPicPr>
+          <p:cNvPr id="6" name="Picture 5">
+            <a:extLst>
+              <a:ext uri="{FF2B5EF4-FFF2-40B4-BE49-F238E27FC236}">
+                <a16:creationId xmlns:a16="http://schemas.microsoft.com/office/drawing/2014/main" id="{68624B86-3BBC-4598-93B5-9EF824412249}"/>
+              </a:ext>
+            </a:extLst>
+          </p:cNvPr>
+          <p:cNvPicPr>
+            <a:picLocks noChangeAspect="1"/>
+          </p:cNvPicPr>
+          <p:nvPr/>
+        </p:nvPicPr>
+        <p:blipFill>
+          <a:blip r:embed="rId3"/>
+          <a:stretch>
+            <a:fillRect/>
+          </a:stretch>
+        </p:blipFill>
+        <p:spPr>
+          <a:xfrm>
+            <a:off x="838200" y="2438442"/>
+            <a:ext cx="2314898" cy="2076740"/>
+          </a:xfrm>
+          <a:prstGeom prst="rect">
+            <a:avLst/>
+          </a:prstGeom>
+        </p:spPr>
+      </p:pic>
+      <p:sp>
+        <p:nvSpPr>
+          <p:cNvPr id="7" name="TextBox 6">
+            <a:extLst>
+              <a:ext uri="{FF2B5EF4-FFF2-40B4-BE49-F238E27FC236}">
+                <a16:creationId xmlns:a16="http://schemas.microsoft.com/office/drawing/2014/main" id="{49F96630-C1B2-416E-B9BA-9936198DE0FE}"/>
+              </a:ext>
+            </a:extLst>
+          </p:cNvPr>
+          <p:cNvSpPr txBox="1"/>
+          <p:nvPr/>
+        </p:nvSpPr>
+        <p:spPr>
+          <a:xfrm>
+            <a:off x="838201" y="4705647"/>
+            <a:ext cx="2885140" cy="923330"/>
+          </a:xfrm>
+          <a:prstGeom prst="rect">
+            <a:avLst/>
+          </a:prstGeom>
+          <a:noFill/>
+        </p:spPr>
+        <p:txBody>
+          <a:bodyPr wrap="square" rtlCol="0">
+            <a:spAutoFit/>
+          </a:bodyPr>
+          <a:lstStyle/>
+          <a:p>
+            <a:r>
+              <a:rPr lang="en-US" dirty="0"/>
+              <a:t>The bottom 10 names are all males, and they all have a count of 5.</a:t>
+            </a:r>
+          </a:p>
+        </p:txBody>
+      </p:sp>
+      <p:pic>
+        <p:nvPicPr>
+          <p:cNvPr id="13" name="Picture 12">
+            <a:extLst>
+              <a:ext uri="{FF2B5EF4-FFF2-40B4-BE49-F238E27FC236}">
+                <a16:creationId xmlns:a16="http://schemas.microsoft.com/office/drawing/2014/main" id="{C5D3AAEB-E1E2-4BD7-A53E-D371FE0A5082}"/>
+              </a:ext>
+            </a:extLst>
+          </p:cNvPr>
+          <p:cNvPicPr>
+            <a:picLocks noChangeAspect="1"/>
+          </p:cNvPicPr>
+          <p:nvPr/>
+        </p:nvPicPr>
+        <p:blipFill>
+          <a:blip r:embed="rId4"/>
+          <a:stretch>
+            <a:fillRect/>
+          </a:stretch>
+        </p:blipFill>
+        <p:spPr>
+          <a:xfrm>
+            <a:off x="4019625" y="1620747"/>
+            <a:ext cx="4694069" cy="2052004"/>
+          </a:xfrm>
+          <a:prstGeom prst="rect">
+            <a:avLst/>
+          </a:prstGeom>
+        </p:spPr>
+      </p:pic>
+      <p:pic>
+        <p:nvPicPr>
+          <p:cNvPr id="17" name="Picture 16">
+            <a:extLst>
+              <a:ext uri="{FF2B5EF4-FFF2-40B4-BE49-F238E27FC236}">
+                <a16:creationId xmlns:a16="http://schemas.microsoft.com/office/drawing/2014/main" id="{B3E62E6B-5B2C-4431-A936-8713A139C2FA}"/>
+              </a:ext>
+            </a:extLst>
+          </p:cNvPr>
+          <p:cNvPicPr>
+            <a:picLocks noChangeAspect="1"/>
+          </p:cNvPicPr>
+          <p:nvPr/>
+        </p:nvPicPr>
+        <p:blipFill>
+          <a:blip r:embed="rId5"/>
+          <a:stretch>
+            <a:fillRect/>
+          </a:stretch>
+        </p:blipFill>
+        <p:spPr>
+          <a:xfrm>
+            <a:off x="4019625" y="3864036"/>
+            <a:ext cx="3182022" cy="467944"/>
+          </a:xfrm>
+          <a:prstGeom prst="rect">
+            <a:avLst/>
+          </a:prstGeom>
+        </p:spPr>
+      </p:pic>
+      <p:pic>
+        <p:nvPicPr>
+          <p:cNvPr id="19" name="Picture 18">
+            <a:extLst>
+              <a:ext uri="{FF2B5EF4-FFF2-40B4-BE49-F238E27FC236}">
+                <a16:creationId xmlns:a16="http://schemas.microsoft.com/office/drawing/2014/main" id="{77618356-B08C-4339-85A9-2FEAE62E2DFD}"/>
+              </a:ext>
+            </a:extLst>
+          </p:cNvPr>
+          <p:cNvPicPr>
+            <a:picLocks noChangeAspect="1"/>
+          </p:cNvPicPr>
+          <p:nvPr/>
+        </p:nvPicPr>
+        <p:blipFill>
+          <a:blip r:embed="rId6"/>
+          <a:stretch>
+            <a:fillRect/>
+          </a:stretch>
+        </p:blipFill>
+        <p:spPr>
+          <a:xfrm>
+            <a:off x="4019625" y="4429914"/>
+            <a:ext cx="4000799" cy="2205091"/>
+          </a:xfrm>
+          <a:prstGeom prst="rect">
+            <a:avLst/>
+          </a:prstGeom>
+        </p:spPr>
+      </p:pic>
+    </p:spTree>
+    <p:extLst>
+      <p:ext uri="{BB962C8B-B14F-4D97-AF65-F5344CB8AC3E}">
+        <p14:creationId xmlns:p14="http://schemas.microsoft.com/office/powerpoint/2010/main" val="769035695"/>
+      </p:ext>
+    </p:extLst>
+  </p:cSld>
+  <p:clrMapOvr>
+    <a:masterClrMapping/>
+  </p:clrMapOvr>
+</p:sld>
+</file>
+
+<file path=ppt/slides/slide9.xml><?xml version="1.0" encoding="utf-8"?>
+<p:sld xmlns:a="http://schemas.openxmlformats.org/drawingml/2006/main" xmlns:r="http://schemas.openxmlformats.org/officeDocument/2006/relationships" xmlns:p="http://schemas.openxmlformats.org/presentationml/2006/main">
+  <p:cSld>
+    <p:spTree>
+      <p:nvGrpSpPr>
+        <p:cNvPr id="1" name=""/>
+        <p:cNvGrpSpPr/>
+        <p:nvPr/>
+      </p:nvGrpSpPr>
+      <p:grpSpPr>
+        <a:xfrm>
+          <a:off x="0" y="0"/>
+          <a:ext cx="0" cy="0"/>
+          <a:chOff x="0" y="0"/>
+          <a:chExt cx="0" cy="0"/>
+        </a:xfrm>
+      </p:grpSpPr>
+      <p:sp>
+        <p:nvSpPr>
+          <p:cNvPr id="2" name="Title 1">
+            <a:extLst>
+              <a:ext uri="{FF2B5EF4-FFF2-40B4-BE49-F238E27FC236}">
+                <a16:creationId xmlns:a16="http://schemas.microsoft.com/office/drawing/2014/main" id="{91F67CBF-1BEA-4F04-AD9A-284770C2CC46}"/>
+              </a:ext>
+            </a:extLst>
+          </p:cNvPr>
+          <p:cNvSpPr>
+            <a:spLocks noGrp="1"/>
+          </p:cNvSpPr>
+          <p:nvPr>
+            <p:ph type="title"/>
+          </p:nvPr>
+        </p:nvSpPr>
+        <p:spPr/>
+        <p:txBody>
+          <a:bodyPr/>
+          <a:lstStyle/>
+          <a:p>
+            <a:r>
+              <a:rPr lang="en-US" dirty="0"/>
+              <a:t>3. Baby Names</a:t>
+            </a:r>
+          </a:p>
+        </p:txBody>
+      </p:sp>
+      <p:sp>
+        <p:nvSpPr>
+          <p:cNvPr id="9" name="Title 1">
+            <a:extLst>
+              <a:ext uri="{FF2B5EF4-FFF2-40B4-BE49-F238E27FC236}">
+                <a16:creationId xmlns:a16="http://schemas.microsoft.com/office/drawing/2014/main" id="{E4CBF086-317B-4405-A7FA-4CA5303CD8AF}"/>
+              </a:ext>
+            </a:extLst>
+          </p:cNvPr>
+          <p:cNvSpPr txBox="1">
+            <a:spLocks/>
+          </p:cNvSpPr>
+          <p:nvPr/>
+        </p:nvSpPr>
+        <p:spPr>
+          <a:xfrm>
+            <a:off x="1630096" y="1299216"/>
+            <a:ext cx="10515600" cy="302478"/>
+          </a:xfrm>
+          <a:prstGeom prst="rect">
+            <a:avLst/>
+          </a:prstGeom>
+        </p:spPr>
+        <p:txBody>
+          <a:bodyPr vert="horz" lIns="91440" tIns="45720" rIns="91440" bIns="45720" rtlCol="0" anchor="ctr">
+            <a:normAutofit fontScale="92500" lnSpcReduction="20000"/>
+          </a:bodyPr>
+          <a:lstStyle>
+            <a:lvl1pPr algn="l" defTabSz="914400" rtl="0" eaLnBrk="1" latinLnBrk="0" hangingPunct="1">
+              <a:lnSpc>
+                <a:spcPct val="90000"/>
+              </a:lnSpc>
+              <a:spcBef>
+                <a:spcPct val="0"/>
+              </a:spcBef>
+              <a:buNone/>
+              <a:defRPr sz="4400" kern="1200">
+                <a:solidFill>
+                  <a:schemeClr val="tx1"/>
+                </a:solidFill>
+                <a:latin typeface="+mj-lt"/>
+                <a:ea typeface="+mj-ea"/>
+                <a:cs typeface="+mj-cs"/>
+              </a:defRPr>
+            </a:lvl1pPr>
+          </a:lstStyle>
+          <a:p>
+            <a:r>
+              <a:rPr lang="en-US" sz="2000" dirty="0"/>
+              <a:t>cont.</a:t>
+            </a:r>
+          </a:p>
+        </p:txBody>
+      </p:sp>
+      <p:pic>
+        <p:nvPicPr>
+          <p:cNvPr id="5" name="Picture 4">
+            <a:extLst>
+              <a:ext uri="{FF2B5EF4-FFF2-40B4-BE49-F238E27FC236}">
+                <a16:creationId xmlns:a16="http://schemas.microsoft.com/office/drawing/2014/main" id="{C6FEDC2C-1A32-4AF3-AE49-36E0DE1AE1D3}"/>
+              </a:ext>
+            </a:extLst>
+          </p:cNvPr>
+          <p:cNvPicPr>
+            <a:picLocks noChangeAspect="1"/>
+          </p:cNvPicPr>
+          <p:nvPr/>
+        </p:nvPicPr>
+        <p:blipFill>
+          <a:blip r:embed="rId2"/>
+          <a:stretch>
+            <a:fillRect/>
+          </a:stretch>
+        </p:blipFill>
+        <p:spPr>
+          <a:xfrm>
+            <a:off x="838200" y="1601694"/>
+            <a:ext cx="4667901" cy="1390844"/>
+          </a:xfrm>
+          <a:prstGeom prst="rect">
+            <a:avLst/>
+          </a:prstGeom>
+        </p:spPr>
+      </p:pic>
+      <p:pic>
+        <p:nvPicPr>
+          <p:cNvPr id="10" name="Picture 9">
+            <a:extLst>
+              <a:ext uri="{FF2B5EF4-FFF2-40B4-BE49-F238E27FC236}">
+                <a16:creationId xmlns:a16="http://schemas.microsoft.com/office/drawing/2014/main" id="{D1750B0E-7E5F-4081-BE40-A3C7F44F0BFB}"/>
+              </a:ext>
+            </a:extLst>
+          </p:cNvPr>
+          <p:cNvPicPr>
+            <a:picLocks noChangeAspect="1"/>
+          </p:cNvPicPr>
+          <p:nvPr/>
+        </p:nvPicPr>
+        <p:blipFill>
+          <a:blip r:embed="rId3"/>
+          <a:stretch>
+            <a:fillRect/>
+          </a:stretch>
+        </p:blipFill>
+        <p:spPr>
+          <a:xfrm>
+            <a:off x="838200" y="3955962"/>
+            <a:ext cx="4124901" cy="2600688"/>
+          </a:xfrm>
+          <a:prstGeom prst="rect">
+            <a:avLst/>
+          </a:prstGeom>
+        </p:spPr>
+      </p:pic>
+      <p:pic>
+        <p:nvPicPr>
+          <p:cNvPr id="12" name="Picture 11">
+            <a:extLst>
+              <a:ext uri="{FF2B5EF4-FFF2-40B4-BE49-F238E27FC236}">
+                <a16:creationId xmlns:a16="http://schemas.microsoft.com/office/drawing/2014/main" id="{43EA1767-B0E3-47BB-81DA-6AEC03A37EED}"/>
+              </a:ext>
+            </a:extLst>
+          </p:cNvPr>
+          <p:cNvPicPr>
+            <a:picLocks noChangeAspect="1"/>
+          </p:cNvPicPr>
+          <p:nvPr/>
+        </p:nvPicPr>
+        <p:blipFill>
+          <a:blip r:embed="rId4"/>
+          <a:stretch>
+            <a:fillRect/>
+          </a:stretch>
+        </p:blipFill>
+        <p:spPr>
+          <a:xfrm>
+            <a:off x="838200" y="3312693"/>
+            <a:ext cx="11284131" cy="323114"/>
+          </a:xfrm>
+          <a:prstGeom prst="rect">
+            <a:avLst/>
+          </a:prstGeom>
+        </p:spPr>
+      </p:pic>
+    </p:spTree>
+    <p:extLst>
+      <p:ext uri="{BB962C8B-B14F-4D97-AF65-F5344CB8AC3E}">
+        <p14:creationId xmlns:p14="http://schemas.microsoft.com/office/powerpoint/2010/main" val="1678976110"/>
       </p:ext>
     </p:extLst>
   </p:cSld>
